--- a/applications/plugins/org.csstudio.alarm.beast.server/docs/AlarmServerUML.pptx
+++ b/applications/plugins/org.csstudio.alarm.beast.server/docs/AlarmServerUML.pptx
@@ -289,7 +289,7 @@
             <a:fld id="{770F932F-E79B-AF4D-9E2E-ABABD1691287}" type="datetimeFigureOut">
               <a:rPr lang="en-US" smtClean="0"/>
               <a:pPr/>
-              <a:t>12/8/08</a:t>
+              <a:t>10/1/10</a:t>
             </a:fld>
             <a:endParaRPr lang="en-US" dirty="0"/>
           </a:p>
@@ -456,7 +456,7 @@
             <a:fld id="{770F932F-E79B-AF4D-9E2E-ABABD1691287}" type="datetimeFigureOut">
               <a:rPr lang="en-US" smtClean="0"/>
               <a:pPr/>
-              <a:t>12/8/08</a:t>
+              <a:t>10/1/10</a:t>
             </a:fld>
             <a:endParaRPr lang="en-US" dirty="0"/>
           </a:p>
@@ -633,7 +633,7 @@
             <a:fld id="{770F932F-E79B-AF4D-9E2E-ABABD1691287}" type="datetimeFigureOut">
               <a:rPr lang="en-US" smtClean="0"/>
               <a:pPr/>
-              <a:t>12/8/08</a:t>
+              <a:t>10/1/10</a:t>
             </a:fld>
             <a:endParaRPr lang="en-US" dirty="0"/>
           </a:p>
@@ -800,7 +800,7 @@
             <a:fld id="{770F932F-E79B-AF4D-9E2E-ABABD1691287}" type="datetimeFigureOut">
               <a:rPr lang="en-US" smtClean="0"/>
               <a:pPr/>
-              <a:t>12/8/08</a:t>
+              <a:t>10/1/10</a:t>
             </a:fld>
             <a:endParaRPr lang="en-US" dirty="0"/>
           </a:p>
@@ -1043,7 +1043,7 @@
             <a:fld id="{770F932F-E79B-AF4D-9E2E-ABABD1691287}" type="datetimeFigureOut">
               <a:rPr lang="en-US" smtClean="0"/>
               <a:pPr/>
-              <a:t>12/8/08</a:t>
+              <a:t>10/1/10</a:t>
             </a:fld>
             <a:endParaRPr lang="en-US" dirty="0"/>
           </a:p>
@@ -1328,7 +1328,7 @@
             <a:fld id="{770F932F-E79B-AF4D-9E2E-ABABD1691287}" type="datetimeFigureOut">
               <a:rPr lang="en-US" smtClean="0"/>
               <a:pPr/>
-              <a:t>12/8/08</a:t>
+              <a:t>10/1/10</a:t>
             </a:fld>
             <a:endParaRPr lang="en-US" dirty="0"/>
           </a:p>
@@ -1747,7 +1747,7 @@
             <a:fld id="{770F932F-E79B-AF4D-9E2E-ABABD1691287}" type="datetimeFigureOut">
               <a:rPr lang="en-US" smtClean="0"/>
               <a:pPr/>
-              <a:t>12/8/08</a:t>
+              <a:t>10/1/10</a:t>
             </a:fld>
             <a:endParaRPr lang="en-US" dirty="0"/>
           </a:p>
@@ -1862,7 +1862,7 @@
             <a:fld id="{770F932F-E79B-AF4D-9E2E-ABABD1691287}" type="datetimeFigureOut">
               <a:rPr lang="en-US" smtClean="0"/>
               <a:pPr/>
-              <a:t>12/8/08</a:t>
+              <a:t>10/1/10</a:t>
             </a:fld>
             <a:endParaRPr lang="en-US" dirty="0"/>
           </a:p>
@@ -1954,7 +1954,7 @@
             <a:fld id="{770F932F-E79B-AF4D-9E2E-ABABD1691287}" type="datetimeFigureOut">
               <a:rPr lang="en-US" smtClean="0"/>
               <a:pPr/>
-              <a:t>12/8/08</a:t>
+              <a:t>10/1/10</a:t>
             </a:fld>
             <a:endParaRPr lang="en-US" dirty="0"/>
           </a:p>
@@ -2228,7 +2228,7 @@
             <a:fld id="{770F932F-E79B-AF4D-9E2E-ABABD1691287}" type="datetimeFigureOut">
               <a:rPr lang="en-US" smtClean="0"/>
               <a:pPr/>
-              <a:t>12/8/08</a:t>
+              <a:t>10/1/10</a:t>
             </a:fld>
             <a:endParaRPr lang="en-US" dirty="0"/>
           </a:p>
@@ -2478,7 +2478,7 @@
             <a:fld id="{770F932F-E79B-AF4D-9E2E-ABABD1691287}" type="datetimeFigureOut">
               <a:rPr lang="en-US" smtClean="0"/>
               <a:pPr/>
-              <a:t>12/8/08</a:t>
+              <a:t>10/1/10</a:t>
             </a:fld>
             <a:endParaRPr lang="en-US" dirty="0"/>
           </a:p>
@@ -2688,7 +2688,7 @@
             <a:fld id="{770F932F-E79B-AF4D-9E2E-ABABD1691287}" type="datetimeFigureOut">
               <a:rPr lang="en-US" smtClean="0"/>
               <a:pPr/>
-              <a:t>12/8/08</a:t>
+              <a:t>10/1/10</a:t>
             </a:fld>
             <a:endParaRPr lang="en-US" dirty="0"/>
           </a:p>
@@ -3067,7 +3067,7 @@
         </p:nvSpPr>
         <p:spPr>
           <a:xfrm>
-            <a:off x="7239000" y="1330324"/>
+            <a:off x="7696200" y="524619"/>
             <a:ext cx="1143000" cy="838200"/>
           </a:xfrm>
           <a:prstGeom prst="rect">
@@ -3082,6 +3082,13 @@
             <a:headEnd type="none" w="med" len="med"/>
             <a:tailEnd type="none" w="med" len="med"/>
           </a:ln>
+          <a:effectLst>
+            <a:outerShdw blurRad="50800" dist="38100" dir="2700000">
+              <a:srgbClr val="000000">
+                <a:alpha val="43000"/>
+              </a:srgbClr>
+            </a:outerShdw>
+          </a:effectLst>
         </p:spPr>
         <p:style>
           <a:lnRef idx="2">
@@ -3135,7 +3142,7 @@
         </p:nvSpPr>
         <p:spPr>
           <a:xfrm>
-            <a:off x="5410200" y="1252536"/>
+            <a:off x="5867400" y="446831"/>
             <a:ext cx="1143000" cy="990600"/>
           </a:xfrm>
           <a:prstGeom prst="rect">
@@ -3150,6 +3157,13 @@
             <a:headEnd type="none" w="med" len="med"/>
             <a:tailEnd type="none" w="med" len="med"/>
           </a:ln>
+          <a:effectLst>
+            <a:outerShdw blurRad="50800" dist="38100" dir="2700000">
+              <a:srgbClr val="000000">
+                <a:alpha val="43000"/>
+              </a:srgbClr>
+            </a:outerShdw>
+          </a:effectLst>
         </p:spPr>
         <p:style>
           <a:lnRef idx="2">
@@ -3206,7 +3220,7 @@
         </p:nvCxnSpPr>
         <p:spPr>
           <a:xfrm>
-            <a:off x="6553200" y="1747836"/>
+            <a:off x="7010400" y="942131"/>
             <a:ext cx="685800" cy="1588"/>
           </a:xfrm>
           <a:prstGeom prst="straightConnector1">
@@ -3221,6 +3235,13 @@
             <a:headEnd type="diamond" w="med" len="med"/>
             <a:tailEnd type="arrow" w="med" len="med"/>
           </a:ln>
+          <a:effectLst>
+            <a:outerShdw blurRad="50800" dist="38100" dir="2700000">
+              <a:srgbClr val="000000">
+                <a:alpha val="43000"/>
+              </a:srgbClr>
+            </a:outerShdw>
+          </a:effectLst>
         </p:spPr>
         <p:style>
           <a:lnRef idx="2">
@@ -3245,7 +3266,7 @@
         </p:nvSpPr>
         <p:spPr>
           <a:xfrm>
-            <a:off x="6553200" y="1444624"/>
+            <a:off x="7010400" y="638919"/>
             <a:ext cx="685800" cy="304800"/>
           </a:xfrm>
           <a:prstGeom prst="rect">
@@ -3259,6 +3280,13 @@
             <a:headEnd type="none" w="med" len="med"/>
             <a:tailEnd type="none" w="med" len="med"/>
           </a:ln>
+          <a:effectLst>
+            <a:outerShdw blurRad="50800" dist="38100" dir="2700000">
+              <a:srgbClr val="000000">
+                <a:alpha val="43000"/>
+              </a:srgbClr>
+            </a:outerShdw>
+          </a:effectLst>
         </p:spPr>
         <p:style>
           <a:lnRef idx="2">
@@ -3294,7 +3322,7 @@
         </p:nvSpPr>
         <p:spPr>
           <a:xfrm>
-            <a:off x="3581400" y="1139824"/>
+            <a:off x="4038600" y="334119"/>
             <a:ext cx="1143000" cy="1219200"/>
           </a:xfrm>
           <a:prstGeom prst="rect">
@@ -3309,6 +3337,13 @@
             <a:headEnd type="none" w="med" len="med"/>
             <a:tailEnd type="none" w="med" len="med"/>
           </a:ln>
+          <a:effectLst>
+            <a:outerShdw blurRad="50800" dist="38100" dir="2700000">
+              <a:srgbClr val="000000">
+                <a:alpha val="43000"/>
+              </a:srgbClr>
+            </a:outerShdw>
+          </a:effectLst>
         </p:spPr>
         <p:style>
           <a:lnRef idx="2">
@@ -3377,7 +3412,7 @@
         </p:nvCxnSpPr>
         <p:spPr>
           <a:xfrm flipV="1">
-            <a:off x="4724400" y="1747836"/>
+            <a:off x="5181600" y="942131"/>
             <a:ext cx="685800" cy="1588"/>
           </a:xfrm>
           <a:prstGeom prst="straightConnector1">
@@ -3392,6 +3427,13 @@
             <a:headEnd type="diamond" w="med" len="med"/>
             <a:tailEnd type="arrow" w="med" len="med"/>
           </a:ln>
+          <a:effectLst>
+            <a:outerShdw blurRad="50800" dist="38100" dir="2700000">
+              <a:srgbClr val="000000">
+                <a:alpha val="43000"/>
+              </a:srgbClr>
+            </a:outerShdw>
+          </a:effectLst>
         </p:spPr>
         <p:style>
           <a:lnRef idx="2">
@@ -3416,7 +3458,7 @@
         </p:nvSpPr>
         <p:spPr>
           <a:xfrm>
-            <a:off x="4724400" y="1328736"/>
+            <a:off x="5181600" y="523031"/>
             <a:ext cx="685800" cy="419100"/>
           </a:xfrm>
           <a:prstGeom prst="rect">
@@ -3430,6 +3472,13 @@
             <a:headEnd type="none" w="med" len="med"/>
             <a:tailEnd type="none" w="med" len="med"/>
           </a:ln>
+          <a:effectLst>
+            <a:outerShdw blurRad="50800" dist="38100" dir="2700000">
+              <a:srgbClr val="000000">
+                <a:alpha val="43000"/>
+              </a:srgbClr>
+            </a:outerShdw>
+          </a:effectLst>
         </p:spPr>
         <p:style>
           <a:lnRef idx="2">
@@ -3465,7 +3514,7 @@
         </p:nvSpPr>
         <p:spPr>
           <a:xfrm>
-            <a:off x="3429794" y="2700336"/>
+            <a:off x="3886994" y="1894631"/>
             <a:ext cx="1447800" cy="915988"/>
           </a:xfrm>
           <a:prstGeom prst="rect">
@@ -3480,6 +3529,13 @@
             <a:headEnd type="none" w="med" len="med"/>
             <a:tailEnd type="none" w="med" len="med"/>
           </a:ln>
+          <a:effectLst>
+            <a:outerShdw blurRad="50800" dist="38100" dir="2700000">
+              <a:srgbClr val="000000">
+                <a:alpha val="43000"/>
+              </a:srgbClr>
+            </a:outerShdw>
+          </a:effectLst>
         </p:spPr>
         <p:style>
           <a:lnRef idx="2">
@@ -3500,16 +3556,16 @@
           <a:lstStyle/>
           <a:p>
             <a:r>
-              <a:rPr lang="en-US" sz="1200" u="sng" dirty="0" smtClean="0"/>
-              <a:t>PV</a:t>
-            </a:r>
+              <a:rPr lang="en-US" sz="1200" u="sng" dirty="0" err="1" smtClean="0"/>
+              <a:t>AlarmPV</a:t>
+            </a:r>
+            <a:endParaRPr lang="en-US" sz="1200" u="sng" dirty="0" smtClean="0"/>
           </a:p>
           <a:p>
             <a:r>
               <a:rPr lang="en-US" sz="1200" dirty="0" smtClean="0"/>
               <a:t>description</a:t>
             </a:r>
-            <a:endParaRPr lang="en-US" sz="1200" dirty="0" smtClean="0"/>
           </a:p>
           <a:p>
             <a:r>
@@ -3526,15 +3582,866 @@
         <p:nvCxnSpPr>
           <p:cNvPr id="24" name="Straight Arrow Connector 23"/>
           <p:cNvCxnSpPr>
-            <a:stCxn id="23" idx="0"/>
-            <a:endCxn id="15" idx="2"/>
+            <a:stCxn id="23" idx="2"/>
+            <a:endCxn id="43" idx="0"/>
           </p:cNvCxnSpPr>
           <p:nvPr/>
         </p:nvCxnSpPr>
         <p:spPr>
-          <a:xfrm rot="16200000" flipV="1">
-            <a:off x="3982641" y="2529283"/>
-            <a:ext cx="341312" cy="794"/>
+          <a:xfrm rot="16200000" flipH="1">
+            <a:off x="5558009" y="1863504"/>
+            <a:ext cx="618782" cy="2513012"/>
+          </a:xfrm>
+          <a:prstGeom prst="bentConnector3">
+            <a:avLst>
+              <a:gd name="adj1" fmla="val 50000"/>
+            </a:avLst>
+          </a:prstGeom>
+          <a:ln w="38100" cap="rnd" cmpd="dbl" algn="ctr">
+            <a:solidFill>
+              <a:schemeClr val="accent1"/>
+            </a:solidFill>
+            <a:prstDash val="solid"/>
+            <a:round/>
+            <a:headEnd type="none" w="med" len="med"/>
+            <a:tailEnd type="triangle" w="lg" len="med"/>
+          </a:ln>
+          <a:effectLst>
+            <a:outerShdw blurRad="50800" dist="38100" dir="2700000">
+              <a:srgbClr val="000000">
+                <a:alpha val="43000"/>
+              </a:srgbClr>
+            </a:outerShdw>
+          </a:effectLst>
+        </p:spPr>
+        <p:style>
+          <a:lnRef idx="2">
+            <a:schemeClr val="accent1"/>
+          </a:lnRef>
+          <a:fillRef idx="0">
+            <a:schemeClr val="accent1"/>
+          </a:fillRef>
+          <a:effectRef idx="1">
+            <a:schemeClr val="accent1"/>
+          </a:effectRef>
+          <a:fontRef idx="minor">
+            <a:schemeClr val="tx1"/>
+          </a:fontRef>
+        </p:style>
+      </p:cxnSp>
+      <p:sp>
+        <p:nvSpPr>
+          <p:cNvPr id="37" name="Rectangle 36"/>
+          <p:cNvSpPr/>
+          <p:nvPr/>
+        </p:nvSpPr>
+        <p:spPr>
+          <a:xfrm>
+            <a:off x="6400800" y="1839863"/>
+            <a:ext cx="990600" cy="1025524"/>
+          </a:xfrm>
+          <a:prstGeom prst="rect">
+            <a:avLst/>
+          </a:prstGeom>
+          <a:ln w="3175" cap="flat" cmpd="sng" algn="ctr">
+            <a:solidFill>
+              <a:schemeClr val="accent1"/>
+            </a:solidFill>
+            <a:prstDash val="solid"/>
+            <a:round/>
+            <a:headEnd type="none" w="med" len="med"/>
+            <a:tailEnd type="none" w="med" len="med"/>
+          </a:ln>
+          <a:effectLst>
+            <a:outerShdw blurRad="50800" dist="38100" dir="2700000">
+              <a:srgbClr val="000000">
+                <a:alpha val="43000"/>
+              </a:srgbClr>
+            </a:outerShdw>
+          </a:effectLst>
+        </p:spPr>
+        <p:style>
+          <a:lnRef idx="2">
+            <a:schemeClr val="accent1"/>
+          </a:lnRef>
+          <a:fillRef idx="1">
+            <a:schemeClr val="lt1"/>
+          </a:fillRef>
+          <a:effectRef idx="0">
+            <a:schemeClr val="accent1"/>
+          </a:effectRef>
+          <a:fontRef idx="minor">
+            <a:schemeClr val="dk1"/>
+          </a:fontRef>
+        </p:style>
+        <p:txBody>
+          <a:bodyPr rtlCol="0" anchor="t"/>
+          <a:lstStyle/>
+          <a:p>
+            <a:r>
+              <a:rPr lang="en-US" sz="1200" u="sng" dirty="0" smtClean="0"/>
+              <a:t>Filter</a:t>
+            </a:r>
+          </a:p>
+          <a:p>
+            <a:r>
+              <a:rPr lang="en-US" sz="1200" dirty="0" smtClean="0"/>
+              <a:t>formula</a:t>
+            </a:r>
+          </a:p>
+          <a:p>
+            <a:r>
+              <a:rPr lang="en-US" sz="1200" dirty="0" smtClean="0"/>
+              <a:t>pv[]: CSS PV</a:t>
+            </a:r>
+          </a:p>
+          <a:p>
+            <a:r>
+              <a:rPr lang="en-US" sz="1200" dirty="0" smtClean="0"/>
+              <a:t>----</a:t>
+            </a:r>
+          </a:p>
+          <a:p>
+            <a:r>
+              <a:rPr lang="en-US" sz="1200" dirty="0" smtClean="0"/>
+              <a:t>evaluate()</a:t>
+            </a:r>
+            <a:endParaRPr lang="en-US" sz="1200" dirty="0"/>
+          </a:p>
+        </p:txBody>
+      </p:sp>
+      <p:cxnSp>
+        <p:nvCxnSpPr>
+          <p:cNvPr id="38" name="Straight Arrow Connector 37"/>
+          <p:cNvCxnSpPr>
+            <a:stCxn id="23" idx="3"/>
+            <a:endCxn id="37" idx="1"/>
+          </p:cNvCxnSpPr>
+          <p:nvPr/>
+        </p:nvCxnSpPr>
+        <p:spPr>
+          <a:xfrm>
+            <a:off x="5334794" y="2352625"/>
+            <a:ext cx="1066006" cy="1588"/>
+          </a:xfrm>
+          <a:prstGeom prst="straightConnector1">
+            <a:avLst/>
+          </a:prstGeom>
+          <a:ln w="3175" cap="flat" cmpd="sng" algn="ctr">
+            <a:solidFill>
+              <a:schemeClr val="accent1"/>
+            </a:solidFill>
+            <a:prstDash val="solid"/>
+            <a:round/>
+            <a:headEnd type="diamond" w="med" len="med"/>
+            <a:tailEnd type="arrow" w="med" len="med"/>
+          </a:ln>
+          <a:effectLst>
+            <a:outerShdw blurRad="50800" dist="38100" dir="2700000">
+              <a:srgbClr val="000000">
+                <a:alpha val="43000"/>
+              </a:srgbClr>
+            </a:outerShdw>
+          </a:effectLst>
+        </p:spPr>
+        <p:style>
+          <a:lnRef idx="2">
+            <a:schemeClr val="accent1"/>
+          </a:lnRef>
+          <a:fillRef idx="0">
+            <a:schemeClr val="accent1"/>
+          </a:fillRef>
+          <a:effectRef idx="1">
+            <a:schemeClr val="accent1"/>
+          </a:effectRef>
+          <a:fontRef idx="minor">
+            <a:schemeClr val="tx1"/>
+          </a:fontRef>
+        </p:style>
+      </p:cxnSp>
+      <p:sp>
+        <p:nvSpPr>
+          <p:cNvPr id="41" name="Rectangle 40"/>
+          <p:cNvSpPr/>
+          <p:nvPr/>
+        </p:nvSpPr>
+        <p:spPr>
+          <a:xfrm>
+            <a:off x="5334794" y="1896219"/>
+            <a:ext cx="837406" cy="456406"/>
+          </a:xfrm>
+          <a:prstGeom prst="rect">
+            <a:avLst/>
+          </a:prstGeom>
+          <a:noFill/>
+          <a:ln w="3175" cap="flat" cmpd="sng" algn="ctr">
+            <a:noFill/>
+            <a:prstDash val="solid"/>
+            <a:round/>
+            <a:headEnd type="none" w="med" len="med"/>
+            <a:tailEnd type="none" w="med" len="med"/>
+          </a:ln>
+          <a:effectLst>
+            <a:outerShdw blurRad="50800" dist="38100" dir="2700000">
+              <a:srgbClr val="000000">
+                <a:alpha val="43000"/>
+              </a:srgbClr>
+            </a:outerShdw>
+          </a:effectLst>
+        </p:spPr>
+        <p:style>
+          <a:lnRef idx="2">
+            <a:schemeClr val="accent1"/>
+          </a:lnRef>
+          <a:fillRef idx="1">
+            <a:schemeClr val="lt1"/>
+          </a:fillRef>
+          <a:effectRef idx="0">
+            <a:schemeClr val="accent1"/>
+          </a:effectRef>
+          <a:fontRef idx="minor">
+            <a:schemeClr val="dk1"/>
+          </a:fontRef>
+        </p:style>
+        <p:txBody>
+          <a:bodyPr rtlCol="0" anchor="t"/>
+          <a:lstStyle/>
+          <a:p>
+            <a:r>
+              <a:rPr lang="en-US" sz="1200" dirty="0" smtClean="0"/>
+              <a:t>filter</a:t>
+            </a:r>
+          </a:p>
+          <a:p>
+            <a:r>
+              <a:rPr lang="en-US" sz="1200" dirty="0" smtClean="0"/>
+              <a:t>(optional)</a:t>
+            </a:r>
+            <a:endParaRPr lang="en-US" sz="1200" dirty="0"/>
+          </a:p>
+        </p:txBody>
+      </p:sp>
+      <p:sp>
+        <p:nvSpPr>
+          <p:cNvPr id="45" name="Rectangle 44"/>
+          <p:cNvSpPr/>
+          <p:nvPr/>
+        </p:nvSpPr>
+        <p:spPr>
+          <a:xfrm>
+            <a:off x="1598612" y="2568574"/>
+            <a:ext cx="1447800" cy="1182688"/>
+          </a:xfrm>
+          <a:prstGeom prst="rect">
+            <a:avLst/>
+          </a:prstGeom>
+          <a:ln w="3175" cap="flat" cmpd="sng" algn="ctr">
+            <a:solidFill>
+              <a:schemeClr val="accent1"/>
+            </a:solidFill>
+            <a:prstDash val="solid"/>
+            <a:round/>
+            <a:headEnd type="none" w="med" len="med"/>
+            <a:tailEnd type="none" w="med" len="med"/>
+          </a:ln>
+          <a:effectLst>
+            <a:outerShdw blurRad="50800" dist="38100" dir="2700000">
+              <a:srgbClr val="000000">
+                <a:alpha val="43000"/>
+              </a:srgbClr>
+            </a:outerShdw>
+          </a:effectLst>
+        </p:spPr>
+        <p:style>
+          <a:lnRef idx="2">
+            <a:schemeClr val="accent1"/>
+          </a:lnRef>
+          <a:fillRef idx="1">
+            <a:schemeClr val="lt1"/>
+          </a:fillRef>
+          <a:effectRef idx="0">
+            <a:schemeClr val="accent1"/>
+          </a:effectRef>
+          <a:fontRef idx="minor">
+            <a:schemeClr val="dk1"/>
+          </a:fontRef>
+        </p:style>
+        <p:txBody>
+          <a:bodyPr rtlCol="0" anchor="t"/>
+          <a:lstStyle/>
+          <a:p>
+            <a:r>
+              <a:rPr lang="en-US" sz="1200" u="sng" dirty="0" smtClean="0"/>
+              <a:t>AlarmServer</a:t>
+            </a:r>
+          </a:p>
+          <a:p>
+            <a:r>
+              <a:rPr lang="en-US" sz="1200" dirty="0" smtClean="0"/>
+              <a:t>RDB</a:t>
+            </a:r>
+          </a:p>
+          <a:p>
+            <a:r>
+              <a:rPr lang="en-US" sz="1200" dirty="0" smtClean="0"/>
+              <a:t>----</a:t>
+            </a:r>
+          </a:p>
+          <a:p>
+            <a:r>
+              <a:rPr lang="en-US" sz="1200" dirty="0" smtClean="0"/>
+              <a:t>readConfig()</a:t>
+            </a:r>
+          </a:p>
+          <a:p>
+            <a:r>
+              <a:rPr lang="en-US" sz="1200" dirty="0" smtClean="0"/>
+              <a:t>start(), stop()</a:t>
+            </a:r>
+            <a:endParaRPr lang="en-US" sz="1200" dirty="0"/>
+          </a:p>
+        </p:txBody>
+      </p:sp>
+      <p:cxnSp>
+        <p:nvCxnSpPr>
+          <p:cNvPr id="46" name="Straight Arrow Connector 45"/>
+          <p:cNvCxnSpPr/>
+          <p:nvPr/>
+        </p:nvCxnSpPr>
+        <p:spPr>
+          <a:xfrm flipV="1">
+            <a:off x="3046412" y="2667000"/>
+            <a:ext cx="840582" cy="1"/>
+          </a:xfrm>
+          <a:prstGeom prst="straightConnector1">
+            <a:avLst/>
+          </a:prstGeom>
+          <a:ln w="3175" cap="flat" cmpd="sng" algn="ctr">
+            <a:solidFill>
+              <a:schemeClr val="accent1"/>
+            </a:solidFill>
+            <a:prstDash val="solid"/>
+            <a:round/>
+            <a:headEnd type="diamond" w="med" len="med"/>
+            <a:tailEnd type="arrow" w="med" len="med"/>
+          </a:ln>
+          <a:effectLst>
+            <a:outerShdw blurRad="50800" dist="38100" dir="2700000">
+              <a:srgbClr val="000000">
+                <a:alpha val="43000"/>
+              </a:srgbClr>
+            </a:outerShdw>
+          </a:effectLst>
+        </p:spPr>
+        <p:style>
+          <a:lnRef idx="2">
+            <a:schemeClr val="accent1"/>
+          </a:lnRef>
+          <a:fillRef idx="0">
+            <a:schemeClr val="accent1"/>
+          </a:fillRef>
+          <a:effectRef idx="1">
+            <a:schemeClr val="accent1"/>
+          </a:effectRef>
+          <a:fontRef idx="minor">
+            <a:schemeClr val="tx1"/>
+          </a:fontRef>
+        </p:style>
+      </p:cxnSp>
+      <p:sp>
+        <p:nvSpPr>
+          <p:cNvPr id="47" name="Rectangle 46"/>
+          <p:cNvSpPr/>
+          <p:nvPr/>
+        </p:nvSpPr>
+        <p:spPr>
+          <a:xfrm>
+            <a:off x="1371600" y="1981200"/>
+            <a:ext cx="1047352" cy="342503"/>
+          </a:xfrm>
+          <a:prstGeom prst="rect">
+            <a:avLst/>
+          </a:prstGeom>
+          <a:noFill/>
+          <a:ln w="3175" cap="flat" cmpd="sng" algn="ctr">
+            <a:noFill/>
+            <a:prstDash val="solid"/>
+            <a:round/>
+            <a:headEnd type="none" w="med" len="med"/>
+            <a:tailEnd type="none" w="med" len="med"/>
+          </a:ln>
+          <a:effectLst>
+            <a:outerShdw blurRad="50800" dist="38100" dir="2700000">
+              <a:srgbClr val="000000">
+                <a:alpha val="43000"/>
+              </a:srgbClr>
+            </a:outerShdw>
+          </a:effectLst>
+        </p:spPr>
+        <p:style>
+          <a:lnRef idx="2">
+            <a:schemeClr val="accent1"/>
+          </a:lnRef>
+          <a:fillRef idx="1">
+            <a:schemeClr val="lt1"/>
+          </a:fillRef>
+          <a:effectRef idx="0">
+            <a:schemeClr val="accent1"/>
+          </a:effectRef>
+          <a:fontRef idx="minor">
+            <a:schemeClr val="dk1"/>
+          </a:fontRef>
+        </p:style>
+        <p:txBody>
+          <a:bodyPr rtlCol="0" anchor="t"/>
+          <a:lstStyle/>
+          <a:p>
+            <a:r>
+              <a:rPr lang="en-US" sz="1200" dirty="0" smtClean="0"/>
+              <a:t>work_queue</a:t>
+            </a:r>
+          </a:p>
+        </p:txBody>
+      </p:sp>
+      <p:sp>
+        <p:nvSpPr>
+          <p:cNvPr id="20" name="Rectangle 19"/>
+          <p:cNvSpPr/>
+          <p:nvPr/>
+        </p:nvSpPr>
+        <p:spPr>
+          <a:xfrm>
+            <a:off x="933846" y="4187827"/>
+            <a:ext cx="1561306" cy="917573"/>
+          </a:xfrm>
+          <a:prstGeom prst="rect">
+            <a:avLst/>
+          </a:prstGeom>
+          <a:ln w="3175" cap="flat" cmpd="sng" algn="ctr">
+            <a:solidFill>
+              <a:schemeClr val="accent1"/>
+            </a:solidFill>
+            <a:prstDash val="solid"/>
+            <a:round/>
+            <a:headEnd type="none" w="med" len="med"/>
+            <a:tailEnd type="none" w="med" len="med"/>
+          </a:ln>
+          <a:effectLst>
+            <a:outerShdw blurRad="50800" dist="38100" dir="2700000">
+              <a:srgbClr val="000000">
+                <a:alpha val="43000"/>
+              </a:srgbClr>
+            </a:outerShdw>
+          </a:effectLst>
+        </p:spPr>
+        <p:style>
+          <a:lnRef idx="2">
+            <a:schemeClr val="accent1"/>
+          </a:lnRef>
+          <a:fillRef idx="1">
+            <a:schemeClr val="lt1"/>
+          </a:fillRef>
+          <a:effectRef idx="0">
+            <a:schemeClr val="accent1"/>
+          </a:effectRef>
+          <a:fontRef idx="minor">
+            <a:schemeClr val="dk1"/>
+          </a:fontRef>
+        </p:style>
+        <p:txBody>
+          <a:bodyPr rtlCol="0" anchor="t"/>
+          <a:lstStyle/>
+          <a:p>
+            <a:r>
+              <a:rPr lang="en-US" sz="1200" u="sng" dirty="0" smtClean="0"/>
+              <a:t>ServerCommunicator</a:t>
+            </a:r>
+          </a:p>
+          <a:p>
+            <a:r>
+              <a:rPr lang="en-US" sz="1200" dirty="0" smtClean="0"/>
+              <a:t>----</a:t>
+            </a:r>
+          </a:p>
+          <a:p>
+            <a:r>
+              <a:rPr lang="en-US" sz="1200" dirty="0" smtClean="0"/>
+              <a:t>sendStateUpdate()</a:t>
+            </a:r>
+          </a:p>
+          <a:p>
+            <a:r>
+              <a:rPr lang="en-US" sz="1200" dirty="0" smtClean="0"/>
+              <a:t>handleMapMessage()</a:t>
+            </a:r>
+            <a:endParaRPr lang="en-US" sz="1200" dirty="0"/>
+          </a:p>
+        </p:txBody>
+      </p:sp>
+      <p:cxnSp>
+        <p:nvCxnSpPr>
+          <p:cNvPr id="21" name="Straight Arrow Connector 20"/>
+          <p:cNvCxnSpPr>
+            <a:endCxn id="20" idx="0"/>
+          </p:cNvCxnSpPr>
+          <p:nvPr/>
+        </p:nvCxnSpPr>
+        <p:spPr>
+          <a:xfrm rot="5400000">
+            <a:off x="1496220" y="3969545"/>
+            <a:ext cx="436562" cy="3"/>
+          </a:xfrm>
+          <a:prstGeom prst="straightConnector1">
+            <a:avLst/>
+          </a:prstGeom>
+          <a:ln w="3175" cap="flat" cmpd="sng" algn="ctr">
+            <a:solidFill>
+              <a:schemeClr val="accent1"/>
+            </a:solidFill>
+            <a:prstDash val="solid"/>
+            <a:round/>
+            <a:headEnd type="diamond" w="med" len="med"/>
+            <a:tailEnd type="arrow" w="med" len="med"/>
+          </a:ln>
+          <a:effectLst>
+            <a:outerShdw blurRad="50800" dist="38100" dir="2700000">
+              <a:srgbClr val="000000">
+                <a:alpha val="43000"/>
+              </a:srgbClr>
+            </a:outerShdw>
+          </a:effectLst>
+        </p:spPr>
+        <p:style>
+          <a:lnRef idx="2">
+            <a:schemeClr val="accent1"/>
+          </a:lnRef>
+          <a:fillRef idx="0">
+            <a:schemeClr val="accent1"/>
+          </a:fillRef>
+          <a:effectRef idx="1">
+            <a:schemeClr val="accent1"/>
+          </a:effectRef>
+          <a:fontRef idx="minor">
+            <a:schemeClr val="tx1"/>
+          </a:fontRef>
+        </p:style>
+      </p:cxnSp>
+      <p:sp>
+        <p:nvSpPr>
+          <p:cNvPr id="34" name="Rectangle 33"/>
+          <p:cNvSpPr/>
+          <p:nvPr/>
+        </p:nvSpPr>
+        <p:spPr>
+          <a:xfrm>
+            <a:off x="913606" y="3751263"/>
+            <a:ext cx="913607" cy="342503"/>
+          </a:xfrm>
+          <a:prstGeom prst="rect">
+            <a:avLst/>
+          </a:prstGeom>
+          <a:noFill/>
+          <a:ln w="3175" cap="flat" cmpd="sng" algn="ctr">
+            <a:noFill/>
+            <a:prstDash val="solid"/>
+            <a:round/>
+            <a:headEnd type="none" w="med" len="med"/>
+            <a:tailEnd type="none" w="med" len="med"/>
+          </a:ln>
+          <a:effectLst>
+            <a:outerShdw blurRad="50800" dist="38100" dir="2700000">
+              <a:srgbClr val="000000">
+                <a:alpha val="43000"/>
+              </a:srgbClr>
+            </a:outerShdw>
+          </a:effectLst>
+        </p:spPr>
+        <p:style>
+          <a:lnRef idx="2">
+            <a:schemeClr val="accent1"/>
+          </a:lnRef>
+          <a:fillRef idx="1">
+            <a:schemeClr val="lt1"/>
+          </a:fillRef>
+          <a:effectRef idx="0">
+            <a:schemeClr val="accent1"/>
+          </a:effectRef>
+          <a:fontRef idx="minor">
+            <a:schemeClr val="dk1"/>
+          </a:fontRef>
+        </p:style>
+        <p:txBody>
+          <a:bodyPr rtlCol="0" anchor="t"/>
+          <a:lstStyle/>
+          <a:p>
+            <a:r>
+              <a:rPr lang="en-US" sz="1200" dirty="0" smtClean="0"/>
+              <a:t>messenger</a:t>
+            </a:r>
+          </a:p>
+        </p:txBody>
+      </p:sp>
+      <p:sp>
+        <p:nvSpPr>
+          <p:cNvPr id="35" name="Rectangle 34"/>
+          <p:cNvSpPr/>
+          <p:nvPr/>
+        </p:nvSpPr>
+        <p:spPr>
+          <a:xfrm>
+            <a:off x="2582267" y="4187827"/>
+            <a:ext cx="780653" cy="688974"/>
+          </a:xfrm>
+          <a:prstGeom prst="rect">
+            <a:avLst/>
+          </a:prstGeom>
+          <a:ln w="3175" cap="flat" cmpd="sng" algn="ctr">
+            <a:solidFill>
+              <a:schemeClr val="accent1"/>
+            </a:solidFill>
+            <a:prstDash val="solid"/>
+            <a:round/>
+            <a:headEnd type="none" w="med" len="med"/>
+            <a:tailEnd type="none" w="med" len="med"/>
+          </a:ln>
+          <a:effectLst>
+            <a:outerShdw blurRad="50800" dist="38100" dir="2700000">
+              <a:srgbClr val="000000">
+                <a:alpha val="43000"/>
+              </a:srgbClr>
+            </a:outerShdw>
+          </a:effectLst>
+        </p:spPr>
+        <p:style>
+          <a:lnRef idx="2">
+            <a:schemeClr val="accent1"/>
+          </a:lnRef>
+          <a:fillRef idx="1">
+            <a:schemeClr val="lt1"/>
+          </a:fillRef>
+          <a:effectRef idx="0">
+            <a:schemeClr val="accent1"/>
+          </a:effectRef>
+          <a:fontRef idx="minor">
+            <a:schemeClr val="dk1"/>
+          </a:fontRef>
+        </p:style>
+        <p:txBody>
+          <a:bodyPr rtlCol="0" anchor="t"/>
+          <a:lstStyle/>
+          <a:p>
+            <a:r>
+              <a:rPr lang="en-US" sz="1200" u="sng" dirty="0" smtClean="0"/>
+              <a:t>Talker</a:t>
+            </a:r>
+          </a:p>
+          <a:p>
+            <a:r>
+              <a:rPr lang="en-US" sz="1200" dirty="0" smtClean="0"/>
+              <a:t>----</a:t>
+            </a:r>
+          </a:p>
+          <a:p>
+            <a:r>
+              <a:rPr lang="en-US" sz="1200" dirty="0" smtClean="0"/>
+              <a:t>say()</a:t>
+            </a:r>
+          </a:p>
+        </p:txBody>
+      </p:sp>
+      <p:cxnSp>
+        <p:nvCxnSpPr>
+          <p:cNvPr id="36" name="Straight Arrow Connector 35"/>
+          <p:cNvCxnSpPr/>
+          <p:nvPr/>
+        </p:nvCxnSpPr>
+        <p:spPr>
+          <a:xfrm rot="16200000" flipH="1">
+            <a:off x="2754313" y="3969545"/>
+            <a:ext cx="436563" cy="1"/>
+          </a:xfrm>
+          <a:prstGeom prst="straightConnector1">
+            <a:avLst/>
+          </a:prstGeom>
+          <a:ln w="3175" cap="flat" cmpd="sng" algn="ctr">
+            <a:solidFill>
+              <a:schemeClr val="accent1"/>
+            </a:solidFill>
+            <a:prstDash val="solid"/>
+            <a:round/>
+            <a:headEnd type="diamond" w="med" len="med"/>
+            <a:tailEnd type="arrow" w="med" len="med"/>
+          </a:ln>
+          <a:effectLst>
+            <a:outerShdw blurRad="50800" dist="38100" dir="2700000">
+              <a:srgbClr val="000000">
+                <a:alpha val="43000"/>
+              </a:srgbClr>
+            </a:outerShdw>
+          </a:effectLst>
+        </p:spPr>
+        <p:style>
+          <a:lnRef idx="2">
+            <a:schemeClr val="accent1"/>
+          </a:lnRef>
+          <a:fillRef idx="0">
+            <a:schemeClr val="accent1"/>
+          </a:fillRef>
+          <a:effectRef idx="1">
+            <a:schemeClr val="accent1"/>
+          </a:effectRef>
+          <a:fontRef idx="minor">
+            <a:schemeClr val="tx1"/>
+          </a:fontRef>
+        </p:style>
+      </p:cxnSp>
+      <p:sp>
+        <p:nvSpPr>
+          <p:cNvPr id="39" name="Rectangle 38"/>
+          <p:cNvSpPr/>
+          <p:nvPr/>
+        </p:nvSpPr>
+        <p:spPr>
+          <a:xfrm>
+            <a:off x="2972595" y="3751264"/>
+            <a:ext cx="571502" cy="342503"/>
+          </a:xfrm>
+          <a:prstGeom prst="rect">
+            <a:avLst/>
+          </a:prstGeom>
+          <a:noFill/>
+          <a:ln w="3175" cap="flat" cmpd="sng" algn="ctr">
+            <a:noFill/>
+            <a:prstDash val="solid"/>
+            <a:round/>
+            <a:headEnd type="none" w="med" len="med"/>
+            <a:tailEnd type="none" w="med" len="med"/>
+          </a:ln>
+          <a:effectLst>
+            <a:outerShdw blurRad="50800" dist="38100" dir="2700000">
+              <a:srgbClr val="000000">
+                <a:alpha val="43000"/>
+              </a:srgbClr>
+            </a:outerShdw>
+          </a:effectLst>
+        </p:spPr>
+        <p:style>
+          <a:lnRef idx="2">
+            <a:schemeClr val="accent1"/>
+          </a:lnRef>
+          <a:fillRef idx="1">
+            <a:schemeClr val="lt1"/>
+          </a:fillRef>
+          <a:effectRef idx="0">
+            <a:schemeClr val="accent1"/>
+          </a:effectRef>
+          <a:fontRef idx="minor">
+            <a:schemeClr val="dk1"/>
+          </a:fontRef>
+        </p:style>
+        <p:txBody>
+          <a:bodyPr rtlCol="0" anchor="t"/>
+          <a:lstStyle/>
+          <a:p>
+            <a:r>
+              <a:rPr lang="en-US" sz="1200" dirty="0" smtClean="0"/>
+              <a:t>talker</a:t>
+            </a:r>
+          </a:p>
+        </p:txBody>
+      </p:sp>
+      <p:sp>
+        <p:nvSpPr>
+          <p:cNvPr id="49" name="Rectangle 48"/>
+          <p:cNvSpPr/>
+          <p:nvPr/>
+        </p:nvSpPr>
+        <p:spPr>
+          <a:xfrm>
+            <a:off x="1294607" y="5410200"/>
+            <a:ext cx="1829598" cy="1066800"/>
+          </a:xfrm>
+          <a:prstGeom prst="rect">
+            <a:avLst/>
+          </a:prstGeom>
+          <a:ln w="3175" cap="flat" cmpd="sng" algn="ctr">
+            <a:solidFill>
+              <a:schemeClr val="accent1"/>
+            </a:solidFill>
+            <a:prstDash val="solid"/>
+            <a:round/>
+            <a:headEnd type="none" w="med" len="med"/>
+            <a:tailEnd type="none" w="med" len="med"/>
+          </a:ln>
+          <a:effectLst>
+            <a:outerShdw blurRad="50800" dist="38100" dir="2700000">
+              <a:srgbClr val="000000">
+                <a:alpha val="43000"/>
+              </a:srgbClr>
+            </a:outerShdw>
+          </a:effectLst>
+        </p:spPr>
+        <p:style>
+          <a:lnRef idx="2">
+            <a:schemeClr val="accent1"/>
+          </a:lnRef>
+          <a:fillRef idx="1">
+            <a:schemeClr val="lt1"/>
+          </a:fillRef>
+          <a:effectRef idx="0">
+            <a:schemeClr val="accent1"/>
+          </a:effectRef>
+          <a:fontRef idx="minor">
+            <a:schemeClr val="dk1"/>
+          </a:fontRef>
+        </p:style>
+        <p:txBody>
+          <a:bodyPr rtlCol="0" anchor="t"/>
+          <a:lstStyle/>
+          <a:p>
+            <a:r>
+              <a:rPr lang="en-US" sz="1200" u="sng" dirty="0" smtClean="0"/>
+              <a:t>JMSAlarmCommunicator</a:t>
+            </a:r>
+          </a:p>
+          <a:p>
+            <a:r>
+              <a:rPr lang="en-US" sz="1200" dirty="0" smtClean="0"/>
+              <a:t>JMS connection thread</a:t>
+            </a:r>
+          </a:p>
+          <a:p>
+            <a:r>
+              <a:rPr lang="en-US" sz="1200" dirty="0" smtClean="0"/>
+              <a:t>----</a:t>
+            </a:r>
+          </a:p>
+          <a:p>
+            <a:r>
+              <a:rPr lang="en-US" sz="1200" dirty="0" smtClean="0"/>
+              <a:t>connect()</a:t>
+            </a:r>
+          </a:p>
+          <a:p>
+            <a:r>
+              <a:rPr lang="en-US" sz="1200" dirty="0" smtClean="0"/>
+              <a:t>handleMapMessage()</a:t>
+            </a:r>
+          </a:p>
+        </p:txBody>
+      </p:sp>
+      <p:cxnSp>
+        <p:nvCxnSpPr>
+          <p:cNvPr id="50" name="Straight Arrow Connector 49"/>
+          <p:cNvCxnSpPr>
+            <a:stCxn id="20" idx="2"/>
+          </p:cNvCxnSpPr>
+          <p:nvPr/>
+        </p:nvCxnSpPr>
+        <p:spPr>
+          <a:xfrm rot="16200000" flipH="1">
+            <a:off x="1562100" y="5257799"/>
+            <a:ext cx="304803" cy="4"/>
           </a:xfrm>
           <a:prstGeom prst="straightConnector1">
             <a:avLst/>
@@ -3548,6 +4455,13 @@
             <a:headEnd type="none" w="med" len="med"/>
             <a:tailEnd type="triangle" w="lg" len="med"/>
           </a:ln>
+          <a:effectLst>
+            <a:outerShdw blurRad="50800" dist="38100" dir="2700000">
+              <a:srgbClr val="000000">
+                <a:alpha val="43000"/>
+              </a:srgbClr>
+            </a:outerShdw>
+          </a:effectLst>
         </p:spPr>
         <p:style>
           <a:lnRef idx="2">
@@ -3564,16 +4478,64 @@
           </a:fontRef>
         </p:style>
       </p:cxnSp>
-      <p:sp>
-        <p:nvSpPr>
-          <p:cNvPr id="37" name="Rectangle 36"/>
+      <p:cxnSp>
+        <p:nvCxnSpPr>
+          <p:cNvPr id="53" name="Straight Arrow Connector 52"/>
+          <p:cNvCxnSpPr>
+            <a:stCxn id="35" idx="2"/>
+          </p:cNvCxnSpPr>
+          <p:nvPr/>
+        </p:nvCxnSpPr>
+        <p:spPr>
+          <a:xfrm rot="16200000" flipH="1">
+            <a:off x="2705893" y="5143501"/>
+            <a:ext cx="533403" cy="1"/>
+          </a:xfrm>
+          <a:prstGeom prst="straightConnector1">
+            <a:avLst/>
+          </a:prstGeom>
+          <a:ln w="38100" cap="rnd" cmpd="dbl" algn="ctr">
+            <a:solidFill>
+              <a:schemeClr val="accent1"/>
+            </a:solidFill>
+            <a:prstDash val="solid"/>
+            <a:round/>
+            <a:headEnd type="none" w="med" len="med"/>
+            <a:tailEnd type="triangle" w="lg" len="med"/>
+          </a:ln>
+          <a:effectLst>
+            <a:outerShdw blurRad="50800" dist="38100" dir="2700000">
+              <a:srgbClr val="000000">
+                <a:alpha val="43000"/>
+              </a:srgbClr>
+            </a:outerShdw>
+          </a:effectLst>
+        </p:spPr>
+        <p:style>
+          <a:lnRef idx="2">
+            <a:schemeClr val="accent1"/>
+          </a:lnRef>
+          <a:fillRef idx="0">
+            <a:schemeClr val="accent1"/>
+          </a:fillRef>
+          <a:effectRef idx="1">
+            <a:schemeClr val="accent1"/>
+          </a:effectRef>
+          <a:fontRef idx="minor">
+            <a:schemeClr val="tx1"/>
+          </a:fontRef>
+        </p:style>
+      </p:cxnSp>
+      <p:sp>
+        <p:nvSpPr>
+          <p:cNvPr id="61" name="Rectangle 60"/>
           <p:cNvSpPr/>
           <p:nvPr/>
         </p:nvSpPr>
         <p:spPr>
           <a:xfrm>
-            <a:off x="5943600" y="2645568"/>
-            <a:ext cx="990600" cy="1025524"/>
+            <a:off x="1714499" y="892968"/>
+            <a:ext cx="1218405" cy="783432"/>
           </a:xfrm>
           <a:prstGeom prst="rect">
             <a:avLst/>
@@ -3587,6 +4549,13 @@
             <a:headEnd type="none" w="med" len="med"/>
             <a:tailEnd type="none" w="med" len="med"/>
           </a:ln>
+          <a:effectLst>
+            <a:outerShdw blurRad="50800" dist="38100" dir="2700000">
+              <a:srgbClr val="000000">
+                <a:alpha val="43000"/>
+              </a:srgbClr>
+            </a:outerShdw>
+          </a:effectLst>
         </p:spPr>
         <p:style>
           <a:lnRef idx="2">
@@ -3608,20 +4577,7 @@
           <a:p>
             <a:r>
               <a:rPr lang="en-US" sz="1200" u="sng" dirty="0" smtClean="0"/>
-              <a:t>Filter</a:t>
-            </a:r>
-          </a:p>
-          <a:p>
-            <a:r>
-              <a:rPr lang="en-US" sz="1200" dirty="0" smtClean="0"/>
-              <a:t>formula</a:t>
-            </a:r>
-            <a:endParaRPr lang="en-US" sz="1200" dirty="0" smtClean="0"/>
-          </a:p>
-          <a:p>
-            <a:r>
-              <a:rPr lang="en-US" sz="1200" dirty="0" smtClean="0"/>
-              <a:t>pv[]: CSS PV</a:t>
+              <a:t>WorkQueue</a:t>
             </a:r>
           </a:p>
           <a:p>
@@ -3633,25 +4589,99 @@
           <a:p>
             <a:r>
               <a:rPr lang="en-US" sz="1200" dirty="0" smtClean="0"/>
-              <a:t>evaluate()</a:t>
+              <a:t>add(Runnable)</a:t>
+            </a:r>
+          </a:p>
+          <a:p>
+            <a:r>
+              <a:rPr lang="en-US" sz="1200" dirty="0" smtClean="0"/>
+              <a:t>execute ()</a:t>
             </a:r>
             <a:endParaRPr lang="en-US" sz="1200" dirty="0"/>
+          </a:p>
+        </p:txBody>
+      </p:sp>
+      <p:sp>
+        <p:nvSpPr>
+          <p:cNvPr id="62" name="Rectangle 61"/>
+          <p:cNvSpPr/>
+          <p:nvPr/>
+        </p:nvSpPr>
+        <p:spPr>
+          <a:xfrm>
+            <a:off x="341313" y="911721"/>
+            <a:ext cx="953294" cy="745926"/>
+          </a:xfrm>
+          <a:prstGeom prst="rect">
+            <a:avLst/>
+          </a:prstGeom>
+          <a:ln w="3175" cap="flat" cmpd="sng" algn="ctr">
+            <a:solidFill>
+              <a:schemeClr val="accent1"/>
+            </a:solidFill>
+            <a:prstDash val="solid"/>
+            <a:round/>
+            <a:headEnd type="none" w="med" len="med"/>
+            <a:tailEnd type="none" w="med" len="med"/>
+          </a:ln>
+          <a:effectLst>
+            <a:outerShdw blurRad="50800" dist="38100" dir="2700000">
+              <a:srgbClr val="000000">
+                <a:alpha val="43000"/>
+              </a:srgbClr>
+            </a:outerShdw>
+          </a:effectLst>
+        </p:spPr>
+        <p:style>
+          <a:lnRef idx="2">
+            <a:schemeClr val="accent1"/>
+          </a:lnRef>
+          <a:fillRef idx="1">
+            <a:schemeClr val="lt1"/>
+          </a:fillRef>
+          <a:effectRef idx="0">
+            <a:schemeClr val="accent1"/>
+          </a:effectRef>
+          <a:fontRef idx="minor">
+            <a:schemeClr val="dk1"/>
+          </a:fontRef>
+        </p:style>
+        <p:txBody>
+          <a:bodyPr rtlCol="0" anchor="t"/>
+          <a:lstStyle/>
+          <a:p>
+            <a:r>
+              <a:rPr lang="en-US" sz="1200" u="sng" dirty="0" smtClean="0"/>
+              <a:t>Application</a:t>
+            </a:r>
+          </a:p>
+          <a:p>
+            <a:r>
+              <a:rPr lang="en-US" sz="1200" dirty="0" smtClean="0"/>
+              <a:t>----</a:t>
+            </a:r>
+          </a:p>
+          <a:p>
+            <a:r>
+              <a:rPr lang="en-US" sz="1200" dirty="0" smtClean="0"/>
+              <a:t>main()</a:t>
+            </a:r>
           </a:p>
         </p:txBody>
       </p:sp>
       <p:cxnSp>
         <p:nvCxnSpPr>
-          <p:cNvPr id="38" name="Straight Arrow Connector 37"/>
+          <p:cNvPr id="63" name="Straight Arrow Connector 62"/>
           <p:cNvCxnSpPr>
-            <a:stCxn id="23" idx="3"/>
-            <a:endCxn id="37" idx="1"/>
+            <a:stCxn id="62" idx="3"/>
+            <a:endCxn id="61" idx="1"/>
           </p:cNvCxnSpPr>
           <p:nvPr/>
         </p:nvCxnSpPr>
         <p:spPr>
           <a:xfrm>
-            <a:off x="4877594" y="3158330"/>
-            <a:ext cx="1066006" cy="1588"/>
+            <a:off x="1294607" y="1284684"/>
+            <a:ext cx="419892" cy="1588"/>
           </a:xfrm>
           <a:prstGeom prst="straightConnector1">
             <a:avLst/>
@@ -3665,862 +4695,13 @@
             <a:headEnd type="diamond" w="med" len="med"/>
             <a:tailEnd type="arrow" w="med" len="med"/>
           </a:ln>
-        </p:spPr>
-        <p:style>
-          <a:lnRef idx="2">
-            <a:schemeClr val="accent1"/>
-          </a:lnRef>
-          <a:fillRef idx="0">
-            <a:schemeClr val="accent1"/>
-          </a:fillRef>
-          <a:effectRef idx="1">
-            <a:schemeClr val="accent1"/>
-          </a:effectRef>
-          <a:fontRef idx="minor">
-            <a:schemeClr val="tx1"/>
-          </a:fontRef>
-        </p:style>
-      </p:cxnSp>
-      <p:sp>
-        <p:nvSpPr>
-          <p:cNvPr id="41" name="Rectangle 40"/>
-          <p:cNvSpPr/>
-          <p:nvPr/>
-        </p:nvSpPr>
-        <p:spPr>
-          <a:xfrm>
-            <a:off x="4877594" y="2701924"/>
-            <a:ext cx="837406" cy="456406"/>
-          </a:xfrm>
-          <a:prstGeom prst="rect">
-            <a:avLst/>
-          </a:prstGeom>
-          <a:noFill/>
-          <a:ln w="3175" cap="flat" cmpd="sng" algn="ctr">
-            <a:noFill/>
-            <a:prstDash val="solid"/>
-            <a:round/>
-            <a:headEnd type="none" w="med" len="med"/>
-            <a:tailEnd type="none" w="med" len="med"/>
-          </a:ln>
-        </p:spPr>
-        <p:style>
-          <a:lnRef idx="2">
-            <a:schemeClr val="accent1"/>
-          </a:lnRef>
-          <a:fillRef idx="1">
-            <a:schemeClr val="lt1"/>
-          </a:fillRef>
-          <a:effectRef idx="0">
-            <a:schemeClr val="accent1"/>
-          </a:effectRef>
-          <a:fontRef idx="minor">
-            <a:schemeClr val="dk1"/>
-          </a:fontRef>
-        </p:style>
-        <p:txBody>
-          <a:bodyPr rtlCol="0" anchor="t"/>
-          <a:lstStyle/>
-          <a:p>
-            <a:r>
-              <a:rPr lang="en-US" sz="1200" dirty="0" smtClean="0"/>
-              <a:t>filter</a:t>
-            </a:r>
-          </a:p>
-          <a:p>
-            <a:r>
-              <a:rPr lang="en-US" sz="1200" dirty="0" smtClean="0"/>
-              <a:t>(optional)</a:t>
-            </a:r>
-            <a:endParaRPr lang="en-US" sz="1200" dirty="0"/>
-          </a:p>
-        </p:txBody>
-      </p:sp>
-      <p:sp>
-        <p:nvSpPr>
-          <p:cNvPr id="45" name="Rectangle 44"/>
-          <p:cNvSpPr/>
-          <p:nvPr/>
-        </p:nvSpPr>
-        <p:spPr>
-          <a:xfrm>
-            <a:off x="1598612" y="2568574"/>
-            <a:ext cx="1447800" cy="1182688"/>
-          </a:xfrm>
-          <a:prstGeom prst="rect">
-            <a:avLst/>
-          </a:prstGeom>
-          <a:ln w="3175" cap="flat" cmpd="sng" algn="ctr">
-            <a:solidFill>
-              <a:schemeClr val="accent1"/>
-            </a:solidFill>
-            <a:prstDash val="solid"/>
-            <a:round/>
-            <a:headEnd type="none" w="med" len="med"/>
-            <a:tailEnd type="none" w="med" len="med"/>
-          </a:ln>
-        </p:spPr>
-        <p:style>
-          <a:lnRef idx="2">
-            <a:schemeClr val="accent1"/>
-          </a:lnRef>
-          <a:fillRef idx="1">
-            <a:schemeClr val="lt1"/>
-          </a:fillRef>
-          <a:effectRef idx="0">
-            <a:schemeClr val="accent1"/>
-          </a:effectRef>
-          <a:fontRef idx="minor">
-            <a:schemeClr val="dk1"/>
-          </a:fontRef>
-        </p:style>
-        <p:txBody>
-          <a:bodyPr rtlCol="0" anchor="t"/>
-          <a:lstStyle/>
-          <a:p>
-            <a:r>
-              <a:rPr lang="en-US" sz="1200" u="sng" dirty="0" smtClean="0"/>
-              <a:t>AlarmServer</a:t>
-            </a:r>
-          </a:p>
-          <a:p>
-            <a:r>
-              <a:rPr lang="en-US" sz="1200" dirty="0" smtClean="0"/>
-              <a:t>RDB</a:t>
-            </a:r>
-          </a:p>
-          <a:p>
-            <a:r>
-              <a:rPr lang="en-US" sz="1200" dirty="0" smtClean="0"/>
-              <a:t>----</a:t>
-            </a:r>
-          </a:p>
-          <a:p>
-            <a:r>
-              <a:rPr lang="en-US" sz="1200" dirty="0" smtClean="0"/>
-              <a:t>readConfig()</a:t>
-            </a:r>
-          </a:p>
-          <a:p>
-            <a:r>
-              <a:rPr lang="en-US" sz="1200" dirty="0" smtClean="0"/>
-              <a:t>start(), stop()</a:t>
-            </a:r>
-            <a:endParaRPr lang="en-US" sz="1200" dirty="0"/>
-          </a:p>
-        </p:txBody>
-      </p:sp>
-      <p:cxnSp>
-        <p:nvCxnSpPr>
-          <p:cNvPr id="46" name="Straight Arrow Connector 45"/>
-          <p:cNvCxnSpPr>
-            <a:stCxn id="45" idx="3"/>
-            <a:endCxn id="23" idx="1"/>
-          </p:cNvCxnSpPr>
-          <p:nvPr/>
-        </p:nvCxnSpPr>
-        <p:spPr>
-          <a:xfrm flipV="1">
-            <a:off x="3046412" y="3158330"/>
-            <a:ext cx="383382" cy="1588"/>
-          </a:xfrm>
-          <a:prstGeom prst="straightConnector1">
-            <a:avLst/>
-          </a:prstGeom>
-          <a:ln w="3175" cap="flat" cmpd="sng" algn="ctr">
-            <a:solidFill>
-              <a:schemeClr val="accent1"/>
-            </a:solidFill>
-            <a:prstDash val="solid"/>
-            <a:round/>
-            <a:headEnd type="diamond" w="med" len="med"/>
-            <a:tailEnd type="arrow" w="med" len="med"/>
-          </a:ln>
-        </p:spPr>
-        <p:style>
-          <a:lnRef idx="2">
-            <a:schemeClr val="accent1"/>
-          </a:lnRef>
-          <a:fillRef idx="0">
-            <a:schemeClr val="accent1"/>
-          </a:fillRef>
-          <a:effectRef idx="1">
-            <a:schemeClr val="accent1"/>
-          </a:effectRef>
-          <a:fontRef idx="minor">
-            <a:schemeClr val="tx1"/>
-          </a:fontRef>
-        </p:style>
-      </p:cxnSp>
-      <p:sp>
-        <p:nvSpPr>
-          <p:cNvPr id="47" name="Rectangle 46"/>
-          <p:cNvSpPr/>
-          <p:nvPr/>
-        </p:nvSpPr>
-        <p:spPr>
-          <a:xfrm>
-            <a:off x="1371600" y="1981200"/>
-            <a:ext cx="1047352" cy="342503"/>
-          </a:xfrm>
-          <a:prstGeom prst="rect">
-            <a:avLst/>
-          </a:prstGeom>
-          <a:noFill/>
-          <a:ln w="3175" cap="flat" cmpd="sng" algn="ctr">
-            <a:noFill/>
-            <a:prstDash val="solid"/>
-            <a:round/>
-            <a:headEnd type="none" w="med" len="med"/>
-            <a:tailEnd type="none" w="med" len="med"/>
-          </a:ln>
-        </p:spPr>
-        <p:style>
-          <a:lnRef idx="2">
-            <a:schemeClr val="accent1"/>
-          </a:lnRef>
-          <a:fillRef idx="1">
-            <a:schemeClr val="lt1"/>
-          </a:fillRef>
-          <a:effectRef idx="0">
-            <a:schemeClr val="accent1"/>
-          </a:effectRef>
-          <a:fontRef idx="minor">
-            <a:schemeClr val="dk1"/>
-          </a:fontRef>
-        </p:style>
-        <p:txBody>
-          <a:bodyPr rtlCol="0" anchor="t"/>
-          <a:lstStyle/>
-          <a:p>
-            <a:r>
-              <a:rPr lang="en-US" sz="1200" dirty="0" smtClean="0"/>
-              <a:t>work_queue</a:t>
-            </a:r>
-            <a:endParaRPr lang="en-US" sz="1200" dirty="0" smtClean="0"/>
-          </a:p>
-        </p:txBody>
-      </p:sp>
-      <p:sp>
-        <p:nvSpPr>
-          <p:cNvPr id="20" name="Rectangle 19"/>
-          <p:cNvSpPr/>
-          <p:nvPr/>
-        </p:nvSpPr>
-        <p:spPr>
-          <a:xfrm>
-            <a:off x="933846" y="4187827"/>
-            <a:ext cx="1561306" cy="917573"/>
-          </a:xfrm>
-          <a:prstGeom prst="rect">
-            <a:avLst/>
-          </a:prstGeom>
-          <a:ln w="3175" cap="flat" cmpd="sng" algn="ctr">
-            <a:solidFill>
-              <a:schemeClr val="accent1"/>
-            </a:solidFill>
-            <a:prstDash val="solid"/>
-            <a:round/>
-            <a:headEnd type="none" w="med" len="med"/>
-            <a:tailEnd type="none" w="med" len="med"/>
-          </a:ln>
-        </p:spPr>
-        <p:style>
-          <a:lnRef idx="2">
-            <a:schemeClr val="accent1"/>
-          </a:lnRef>
-          <a:fillRef idx="1">
-            <a:schemeClr val="lt1"/>
-          </a:fillRef>
-          <a:effectRef idx="0">
-            <a:schemeClr val="accent1"/>
-          </a:effectRef>
-          <a:fontRef idx="minor">
-            <a:schemeClr val="dk1"/>
-          </a:fontRef>
-        </p:style>
-        <p:txBody>
-          <a:bodyPr rtlCol="0" anchor="t"/>
-          <a:lstStyle/>
-          <a:p>
-            <a:r>
-              <a:rPr lang="en-US" sz="1200" u="sng" dirty="0" smtClean="0"/>
-              <a:t>ServerCommunicator</a:t>
-            </a:r>
-          </a:p>
-          <a:p>
-            <a:r>
-              <a:rPr lang="en-US" sz="1200" dirty="0" smtClean="0"/>
-              <a:t>----</a:t>
-            </a:r>
-          </a:p>
-          <a:p>
-            <a:r>
-              <a:rPr lang="en-US" sz="1200" dirty="0" smtClean="0"/>
-              <a:t>sendStateUpdate()</a:t>
-            </a:r>
-          </a:p>
-          <a:p>
-            <a:r>
-              <a:rPr lang="en-US" sz="1200" dirty="0" smtClean="0"/>
-              <a:t>handleMapMessage()</a:t>
-            </a:r>
-            <a:endParaRPr lang="en-US" sz="1200" dirty="0"/>
-          </a:p>
-        </p:txBody>
-      </p:sp>
-      <p:cxnSp>
-        <p:nvCxnSpPr>
-          <p:cNvPr id="21" name="Straight Arrow Connector 20"/>
-          <p:cNvCxnSpPr>
-            <a:endCxn id="20" idx="0"/>
-          </p:cNvCxnSpPr>
-          <p:nvPr/>
-        </p:nvCxnSpPr>
-        <p:spPr>
-          <a:xfrm rot="5400000">
-            <a:off x="1496220" y="3969545"/>
-            <a:ext cx="436562" cy="3"/>
-          </a:xfrm>
-          <a:prstGeom prst="straightConnector1">
-            <a:avLst/>
-          </a:prstGeom>
-          <a:ln w="3175" cap="flat" cmpd="sng" algn="ctr">
-            <a:solidFill>
-              <a:schemeClr val="accent1"/>
-            </a:solidFill>
-            <a:prstDash val="solid"/>
-            <a:round/>
-            <a:headEnd type="diamond" w="med" len="med"/>
-            <a:tailEnd type="arrow" w="med" len="med"/>
-          </a:ln>
-        </p:spPr>
-        <p:style>
-          <a:lnRef idx="2">
-            <a:schemeClr val="accent1"/>
-          </a:lnRef>
-          <a:fillRef idx="0">
-            <a:schemeClr val="accent1"/>
-          </a:fillRef>
-          <a:effectRef idx="1">
-            <a:schemeClr val="accent1"/>
-          </a:effectRef>
-          <a:fontRef idx="minor">
-            <a:schemeClr val="tx1"/>
-          </a:fontRef>
-        </p:style>
-      </p:cxnSp>
-      <p:sp>
-        <p:nvSpPr>
-          <p:cNvPr id="34" name="Rectangle 33"/>
-          <p:cNvSpPr/>
-          <p:nvPr/>
-        </p:nvSpPr>
-        <p:spPr>
-          <a:xfrm>
-            <a:off x="913606" y="3751263"/>
-            <a:ext cx="913607" cy="342503"/>
-          </a:xfrm>
-          <a:prstGeom prst="rect">
-            <a:avLst/>
-          </a:prstGeom>
-          <a:noFill/>
-          <a:ln w="3175" cap="flat" cmpd="sng" algn="ctr">
-            <a:noFill/>
-            <a:prstDash val="solid"/>
-            <a:round/>
-            <a:headEnd type="none" w="med" len="med"/>
-            <a:tailEnd type="none" w="med" len="med"/>
-          </a:ln>
-        </p:spPr>
-        <p:style>
-          <a:lnRef idx="2">
-            <a:schemeClr val="accent1"/>
-          </a:lnRef>
-          <a:fillRef idx="1">
-            <a:schemeClr val="lt1"/>
-          </a:fillRef>
-          <a:effectRef idx="0">
-            <a:schemeClr val="accent1"/>
-          </a:effectRef>
-          <a:fontRef idx="minor">
-            <a:schemeClr val="dk1"/>
-          </a:fontRef>
-        </p:style>
-        <p:txBody>
-          <a:bodyPr rtlCol="0" anchor="t"/>
-          <a:lstStyle/>
-          <a:p>
-            <a:r>
-              <a:rPr lang="en-US" sz="1200" dirty="0" smtClean="0"/>
-              <a:t>messenger</a:t>
-            </a:r>
-            <a:endParaRPr lang="en-US" sz="1200" dirty="0" smtClean="0"/>
-          </a:p>
-        </p:txBody>
-      </p:sp>
-      <p:sp>
-        <p:nvSpPr>
-          <p:cNvPr id="35" name="Rectangle 34"/>
-          <p:cNvSpPr/>
-          <p:nvPr/>
-        </p:nvSpPr>
-        <p:spPr>
-          <a:xfrm>
-            <a:off x="2582267" y="4187827"/>
-            <a:ext cx="780653" cy="688974"/>
-          </a:xfrm>
-          <a:prstGeom prst="rect">
-            <a:avLst/>
-          </a:prstGeom>
-          <a:ln w="3175" cap="flat" cmpd="sng" algn="ctr">
-            <a:solidFill>
-              <a:schemeClr val="accent1"/>
-            </a:solidFill>
-            <a:prstDash val="solid"/>
-            <a:round/>
-            <a:headEnd type="none" w="med" len="med"/>
-            <a:tailEnd type="none" w="med" len="med"/>
-          </a:ln>
-        </p:spPr>
-        <p:style>
-          <a:lnRef idx="2">
-            <a:schemeClr val="accent1"/>
-          </a:lnRef>
-          <a:fillRef idx="1">
-            <a:schemeClr val="lt1"/>
-          </a:fillRef>
-          <a:effectRef idx="0">
-            <a:schemeClr val="accent1"/>
-          </a:effectRef>
-          <a:fontRef idx="minor">
-            <a:schemeClr val="dk1"/>
-          </a:fontRef>
-        </p:style>
-        <p:txBody>
-          <a:bodyPr rtlCol="0" anchor="t"/>
-          <a:lstStyle/>
-          <a:p>
-            <a:r>
-              <a:rPr lang="en-US" sz="1200" u="sng" dirty="0" smtClean="0"/>
-              <a:t>Talker</a:t>
-            </a:r>
-          </a:p>
-          <a:p>
-            <a:r>
-              <a:rPr lang="en-US" sz="1200" dirty="0" smtClean="0"/>
-              <a:t>----</a:t>
-            </a:r>
-          </a:p>
-          <a:p>
-            <a:r>
-              <a:rPr lang="en-US" sz="1200" dirty="0" smtClean="0"/>
-              <a:t>say()</a:t>
-            </a:r>
-          </a:p>
-        </p:txBody>
-      </p:sp>
-      <p:cxnSp>
-        <p:nvCxnSpPr>
-          <p:cNvPr id="36" name="Straight Arrow Connector 35"/>
-          <p:cNvCxnSpPr/>
-          <p:nvPr/>
-        </p:nvCxnSpPr>
-        <p:spPr>
-          <a:xfrm rot="16200000" flipH="1">
-            <a:off x="2754313" y="3969545"/>
-            <a:ext cx="436563" cy="1"/>
-          </a:xfrm>
-          <a:prstGeom prst="straightConnector1">
-            <a:avLst/>
-          </a:prstGeom>
-          <a:ln w="3175" cap="flat" cmpd="sng" algn="ctr">
-            <a:solidFill>
-              <a:schemeClr val="accent1"/>
-            </a:solidFill>
-            <a:prstDash val="solid"/>
-            <a:round/>
-            <a:headEnd type="diamond" w="med" len="med"/>
-            <a:tailEnd type="arrow" w="med" len="med"/>
-          </a:ln>
-        </p:spPr>
-        <p:style>
-          <a:lnRef idx="2">
-            <a:schemeClr val="accent1"/>
-          </a:lnRef>
-          <a:fillRef idx="0">
-            <a:schemeClr val="accent1"/>
-          </a:fillRef>
-          <a:effectRef idx="1">
-            <a:schemeClr val="accent1"/>
-          </a:effectRef>
-          <a:fontRef idx="minor">
-            <a:schemeClr val="tx1"/>
-          </a:fontRef>
-        </p:style>
-      </p:cxnSp>
-      <p:sp>
-        <p:nvSpPr>
-          <p:cNvPr id="39" name="Rectangle 38"/>
-          <p:cNvSpPr/>
-          <p:nvPr/>
-        </p:nvSpPr>
-        <p:spPr>
-          <a:xfrm>
-            <a:off x="2972595" y="3751264"/>
-            <a:ext cx="571502" cy="342503"/>
-          </a:xfrm>
-          <a:prstGeom prst="rect">
-            <a:avLst/>
-          </a:prstGeom>
-          <a:noFill/>
-          <a:ln w="3175" cap="flat" cmpd="sng" algn="ctr">
-            <a:noFill/>
-            <a:prstDash val="solid"/>
-            <a:round/>
-            <a:headEnd type="none" w="med" len="med"/>
-            <a:tailEnd type="none" w="med" len="med"/>
-          </a:ln>
-        </p:spPr>
-        <p:style>
-          <a:lnRef idx="2">
-            <a:schemeClr val="accent1"/>
-          </a:lnRef>
-          <a:fillRef idx="1">
-            <a:schemeClr val="lt1"/>
-          </a:fillRef>
-          <a:effectRef idx="0">
-            <a:schemeClr val="accent1"/>
-          </a:effectRef>
-          <a:fontRef idx="minor">
-            <a:schemeClr val="dk1"/>
-          </a:fontRef>
-        </p:style>
-        <p:txBody>
-          <a:bodyPr rtlCol="0" anchor="t"/>
-          <a:lstStyle/>
-          <a:p>
-            <a:r>
-              <a:rPr lang="en-US" sz="1200" dirty="0" smtClean="0"/>
-              <a:t>talker</a:t>
-            </a:r>
-            <a:endParaRPr lang="en-US" sz="1200" dirty="0" smtClean="0"/>
-          </a:p>
-        </p:txBody>
-      </p:sp>
-      <p:sp>
-        <p:nvSpPr>
-          <p:cNvPr id="49" name="Rectangle 48"/>
-          <p:cNvSpPr/>
-          <p:nvPr/>
-        </p:nvSpPr>
-        <p:spPr>
-          <a:xfrm>
-            <a:off x="1294607" y="5410200"/>
-            <a:ext cx="1829598" cy="1066800"/>
-          </a:xfrm>
-          <a:prstGeom prst="rect">
-            <a:avLst/>
-          </a:prstGeom>
-          <a:ln w="3175" cap="flat" cmpd="sng" algn="ctr">
-            <a:solidFill>
-              <a:schemeClr val="accent1"/>
-            </a:solidFill>
-            <a:prstDash val="solid"/>
-            <a:round/>
-            <a:headEnd type="none" w="med" len="med"/>
-            <a:tailEnd type="none" w="med" len="med"/>
-          </a:ln>
-        </p:spPr>
-        <p:style>
-          <a:lnRef idx="2">
-            <a:schemeClr val="accent1"/>
-          </a:lnRef>
-          <a:fillRef idx="1">
-            <a:schemeClr val="lt1"/>
-          </a:fillRef>
-          <a:effectRef idx="0">
-            <a:schemeClr val="accent1"/>
-          </a:effectRef>
-          <a:fontRef idx="minor">
-            <a:schemeClr val="dk1"/>
-          </a:fontRef>
-        </p:style>
-        <p:txBody>
-          <a:bodyPr rtlCol="0" anchor="t"/>
-          <a:lstStyle/>
-          <a:p>
-            <a:r>
-              <a:rPr lang="en-US" sz="1200" u="sng" dirty="0" smtClean="0"/>
-              <a:t>JMSAlarmCommunicator</a:t>
-            </a:r>
-          </a:p>
-          <a:p>
-            <a:r>
-              <a:rPr lang="en-US" sz="1200" dirty="0" smtClean="0"/>
-              <a:t>JMS connection thread</a:t>
-            </a:r>
-          </a:p>
-          <a:p>
-            <a:r>
-              <a:rPr lang="en-US" sz="1200" dirty="0" smtClean="0"/>
-              <a:t>----</a:t>
-            </a:r>
-          </a:p>
-          <a:p>
-            <a:r>
-              <a:rPr lang="en-US" sz="1200" dirty="0" smtClean="0"/>
-              <a:t>connect()</a:t>
-            </a:r>
-          </a:p>
-          <a:p>
-            <a:r>
-              <a:rPr lang="en-US" sz="1200" dirty="0" smtClean="0"/>
-              <a:t>handleMapMessage()</a:t>
-            </a:r>
-            <a:endParaRPr lang="en-US" sz="1200" dirty="0" smtClean="0"/>
-          </a:p>
-        </p:txBody>
-      </p:sp>
-      <p:cxnSp>
-        <p:nvCxnSpPr>
-          <p:cNvPr id="50" name="Straight Arrow Connector 49"/>
-          <p:cNvCxnSpPr>
-            <a:stCxn id="20" idx="2"/>
-            <a:endCxn id="49" idx="0"/>
-          </p:cNvCxnSpPr>
-          <p:nvPr/>
-        </p:nvCxnSpPr>
-        <p:spPr>
-          <a:xfrm rot="16200000" flipH="1">
-            <a:off x="1809552" y="5010346"/>
-            <a:ext cx="304800" cy="494907"/>
-          </a:xfrm>
-          <a:prstGeom prst="straightConnector1">
-            <a:avLst/>
-          </a:prstGeom>
-          <a:ln w="38100" cap="rnd" cmpd="dbl" algn="ctr">
-            <a:solidFill>
-              <a:schemeClr val="accent1"/>
-            </a:solidFill>
-            <a:prstDash val="solid"/>
-            <a:round/>
-            <a:headEnd type="none" w="med" len="med"/>
-            <a:tailEnd type="triangle" w="lg" len="med"/>
-          </a:ln>
-        </p:spPr>
-        <p:style>
-          <a:lnRef idx="2">
-            <a:schemeClr val="accent1"/>
-          </a:lnRef>
-          <a:fillRef idx="0">
-            <a:schemeClr val="accent1"/>
-          </a:fillRef>
-          <a:effectRef idx="1">
-            <a:schemeClr val="accent1"/>
-          </a:effectRef>
-          <a:fontRef idx="minor">
-            <a:schemeClr val="tx1"/>
-          </a:fontRef>
-        </p:style>
-      </p:cxnSp>
-      <p:cxnSp>
-        <p:nvCxnSpPr>
-          <p:cNvPr id="53" name="Straight Arrow Connector 52"/>
-          <p:cNvCxnSpPr>
-            <a:stCxn id="35" idx="2"/>
-            <a:endCxn id="49" idx="0"/>
-          </p:cNvCxnSpPr>
-          <p:nvPr/>
-        </p:nvCxnSpPr>
-        <p:spPr>
-          <a:xfrm rot="5400000">
-            <a:off x="2324301" y="4761906"/>
-            <a:ext cx="533399" cy="763188"/>
-          </a:xfrm>
-          <a:prstGeom prst="straightConnector1">
-            <a:avLst/>
-          </a:prstGeom>
-          <a:ln w="38100" cap="rnd" cmpd="dbl" algn="ctr">
-            <a:solidFill>
-              <a:schemeClr val="accent1"/>
-            </a:solidFill>
-            <a:prstDash val="solid"/>
-            <a:round/>
-            <a:headEnd type="none" w="med" len="med"/>
-            <a:tailEnd type="triangle" w="lg" len="med"/>
-          </a:ln>
-        </p:spPr>
-        <p:style>
-          <a:lnRef idx="2">
-            <a:schemeClr val="accent1"/>
-          </a:lnRef>
-          <a:fillRef idx="0">
-            <a:schemeClr val="accent1"/>
-          </a:fillRef>
-          <a:effectRef idx="1">
-            <a:schemeClr val="accent1"/>
-          </a:effectRef>
-          <a:fontRef idx="minor">
-            <a:schemeClr val="tx1"/>
-          </a:fontRef>
-        </p:style>
-      </p:cxnSp>
-      <p:sp>
-        <p:nvSpPr>
-          <p:cNvPr id="61" name="Rectangle 60"/>
-          <p:cNvSpPr/>
-          <p:nvPr/>
-        </p:nvSpPr>
-        <p:spPr>
-          <a:xfrm>
-            <a:off x="1714499" y="892968"/>
-            <a:ext cx="1218405" cy="783432"/>
-          </a:xfrm>
-          <a:prstGeom prst="rect">
-            <a:avLst/>
-          </a:prstGeom>
-          <a:ln w="3175" cap="flat" cmpd="sng" algn="ctr">
-            <a:solidFill>
-              <a:schemeClr val="accent1"/>
-            </a:solidFill>
-            <a:prstDash val="solid"/>
-            <a:round/>
-            <a:headEnd type="none" w="med" len="med"/>
-            <a:tailEnd type="none" w="med" len="med"/>
-          </a:ln>
-        </p:spPr>
-        <p:style>
-          <a:lnRef idx="2">
-            <a:schemeClr val="accent1"/>
-          </a:lnRef>
-          <a:fillRef idx="1">
-            <a:schemeClr val="lt1"/>
-          </a:fillRef>
-          <a:effectRef idx="0">
-            <a:schemeClr val="accent1"/>
-          </a:effectRef>
-          <a:fontRef idx="minor">
-            <a:schemeClr val="dk1"/>
-          </a:fontRef>
-        </p:style>
-        <p:txBody>
-          <a:bodyPr rtlCol="0" anchor="t"/>
-          <a:lstStyle/>
-          <a:p>
-            <a:r>
-              <a:rPr lang="en-US" sz="1200" u="sng" dirty="0" smtClean="0"/>
-              <a:t>WorkQueue</a:t>
-            </a:r>
-          </a:p>
-          <a:p>
-            <a:r>
-              <a:rPr lang="en-US" sz="1200" dirty="0" smtClean="0"/>
-              <a:t>----</a:t>
-            </a:r>
-          </a:p>
-          <a:p>
-            <a:r>
-              <a:rPr lang="en-US" sz="1200" dirty="0" smtClean="0"/>
-              <a:t>add(Runnable)</a:t>
-            </a:r>
-          </a:p>
-          <a:p>
-            <a:r>
-              <a:rPr lang="en-US" sz="1200" dirty="0" smtClean="0"/>
-              <a:t>execute ()</a:t>
-            </a:r>
-            <a:endParaRPr lang="en-US" sz="1200" dirty="0"/>
-          </a:p>
-        </p:txBody>
-      </p:sp>
-      <p:sp>
-        <p:nvSpPr>
-          <p:cNvPr id="62" name="Rectangle 61"/>
-          <p:cNvSpPr/>
-          <p:nvPr/>
-        </p:nvSpPr>
-        <p:spPr>
-          <a:xfrm>
-            <a:off x="341313" y="911721"/>
-            <a:ext cx="953294" cy="745926"/>
-          </a:xfrm>
-          <a:prstGeom prst="rect">
-            <a:avLst/>
-          </a:prstGeom>
-          <a:ln w="3175" cap="flat" cmpd="sng" algn="ctr">
-            <a:solidFill>
-              <a:schemeClr val="accent1"/>
-            </a:solidFill>
-            <a:prstDash val="solid"/>
-            <a:round/>
-            <a:headEnd type="none" w="med" len="med"/>
-            <a:tailEnd type="none" w="med" len="med"/>
-          </a:ln>
-        </p:spPr>
-        <p:style>
-          <a:lnRef idx="2">
-            <a:schemeClr val="accent1"/>
-          </a:lnRef>
-          <a:fillRef idx="1">
-            <a:schemeClr val="lt1"/>
-          </a:fillRef>
-          <a:effectRef idx="0">
-            <a:schemeClr val="accent1"/>
-          </a:effectRef>
-          <a:fontRef idx="minor">
-            <a:schemeClr val="dk1"/>
-          </a:fontRef>
-        </p:style>
-        <p:txBody>
-          <a:bodyPr rtlCol="0" anchor="t"/>
-          <a:lstStyle/>
-          <a:p>
-            <a:r>
-              <a:rPr lang="en-US" sz="1200" u="sng" dirty="0" smtClean="0"/>
-              <a:t>Application</a:t>
-            </a:r>
-          </a:p>
-          <a:p>
-            <a:r>
-              <a:rPr lang="en-US" sz="1200" dirty="0" smtClean="0"/>
-              <a:t>----</a:t>
-            </a:r>
-          </a:p>
-          <a:p>
-            <a:r>
-              <a:rPr lang="en-US" sz="1200" dirty="0" smtClean="0"/>
-              <a:t>main()</a:t>
-            </a:r>
-          </a:p>
-        </p:txBody>
-      </p:sp>
-      <p:cxnSp>
-        <p:nvCxnSpPr>
-          <p:cNvPr id="63" name="Straight Arrow Connector 62"/>
-          <p:cNvCxnSpPr>
-            <a:stCxn id="62" idx="3"/>
-            <a:endCxn id="61" idx="1"/>
-          </p:cNvCxnSpPr>
-          <p:nvPr/>
-        </p:nvCxnSpPr>
-        <p:spPr>
-          <a:xfrm>
-            <a:off x="1294607" y="1284684"/>
-            <a:ext cx="419892" cy="1588"/>
-          </a:xfrm>
-          <a:prstGeom prst="straightConnector1">
-            <a:avLst/>
-          </a:prstGeom>
-          <a:ln w="3175" cap="flat" cmpd="sng" algn="ctr">
-            <a:solidFill>
-              <a:schemeClr val="accent1"/>
-            </a:solidFill>
-            <a:prstDash val="solid"/>
-            <a:round/>
-            <a:headEnd type="diamond" w="med" len="med"/>
-            <a:tailEnd type="arrow" w="med" len="med"/>
-          </a:ln>
+          <a:effectLst>
+            <a:outerShdw blurRad="50800" dist="38100" dir="2700000">
+              <a:srgbClr val="000000">
+                <a:alpha val="43000"/>
+              </a:srgbClr>
+            </a:outerShdw>
+          </a:effectLst>
         </p:spPr>
         <p:style>
           <a:lnRef idx="2">
@@ -4563,6 +4744,13 @@
             <a:headEnd type="diamond" w="med" len="med"/>
             <a:tailEnd type="arrow" w="med" len="med"/>
           </a:ln>
+          <a:effectLst>
+            <a:outerShdw blurRad="50800" dist="38100" dir="2700000">
+              <a:srgbClr val="000000">
+                <a:alpha val="43000"/>
+              </a:srgbClr>
+            </a:outerShdw>
+          </a:effectLst>
         </p:spPr>
         <p:style>
           <a:lnRef idx="2">
@@ -4587,7 +4775,7 @@
         </p:nvSpPr>
         <p:spPr>
           <a:xfrm>
-            <a:off x="5029994" y="3333949"/>
+            <a:off x="5487194" y="2528244"/>
             <a:ext cx="685006" cy="342502"/>
           </a:xfrm>
           <a:prstGeom prst="rect">
@@ -4601,6 +4789,13 @@
             <a:headEnd type="none" w="med" len="med"/>
             <a:tailEnd type="none" w="med" len="med"/>
           </a:ln>
+          <a:effectLst>
+            <a:outerShdw blurRad="50800" dist="38100" dir="2700000">
+              <a:srgbClr val="000000">
+                <a:alpha val="43000"/>
+              </a:srgbClr>
+            </a:outerShdw>
+          </a:effectLst>
         </p:spPr>
         <p:style>
           <a:lnRef idx="2">
@@ -4636,7 +4831,7 @@
         </p:nvCxnSpPr>
         <p:spPr>
           <a:xfrm rot="10800000" flipV="1">
-            <a:off x="4877594" y="3297236"/>
+            <a:off x="5334794" y="2491531"/>
             <a:ext cx="1066006" cy="2"/>
           </a:xfrm>
           <a:prstGeom prst="straightConnector1">
@@ -4651,6 +4846,13 @@
             <a:headEnd type="diamond" w="med" len="med"/>
             <a:tailEnd type="arrow" w="med" len="med"/>
           </a:ln>
+          <a:effectLst>
+            <a:outerShdw blurRad="50800" dist="38100" dir="2700000">
+              <a:srgbClr val="000000">
+                <a:alpha val="43000"/>
+              </a:srgbClr>
+            </a:outerShdw>
+          </a:effectLst>
         </p:spPr>
         <p:style>
           <a:lnRef idx="2">
@@ -4667,6 +4869,902 @@
           </a:fontRef>
         </p:style>
       </p:cxnSp>
+      <p:cxnSp>
+        <p:nvCxnSpPr>
+          <p:cNvPr id="32" name="Straight Arrow Connector 31"/>
+          <p:cNvCxnSpPr/>
+          <p:nvPr/>
+        </p:nvCxnSpPr>
+        <p:spPr>
+          <a:xfrm rot="16200000" flipV="1">
+            <a:off x="4172347" y="1723578"/>
+            <a:ext cx="341312" cy="794"/>
+          </a:xfrm>
+          <a:prstGeom prst="straightConnector1">
+            <a:avLst/>
+          </a:prstGeom>
+          <a:ln w="3175" cap="flat" cmpd="sng" algn="ctr">
+            <a:solidFill>
+              <a:schemeClr val="accent1"/>
+            </a:solidFill>
+            <a:prstDash val="solid"/>
+            <a:round/>
+            <a:headEnd type="diamond" w="med" len="med"/>
+            <a:tailEnd type="arrow" w="med" len="med"/>
+          </a:ln>
+          <a:effectLst>
+            <a:outerShdw blurRad="50800" dist="38100" dir="2700000">
+              <a:srgbClr val="000000">
+                <a:alpha val="43000"/>
+              </a:srgbClr>
+            </a:outerShdw>
+          </a:effectLst>
+        </p:spPr>
+        <p:style>
+          <a:lnRef idx="2">
+            <a:schemeClr val="accent1"/>
+          </a:lnRef>
+          <a:fillRef idx="0">
+            <a:schemeClr val="accent1"/>
+          </a:fillRef>
+          <a:effectRef idx="1">
+            <a:schemeClr val="accent1"/>
+          </a:effectRef>
+          <a:fontRef idx="minor">
+            <a:schemeClr val="tx1"/>
+          </a:fontRef>
+        </p:style>
+      </p:cxnSp>
+      <p:sp>
+        <p:nvSpPr>
+          <p:cNvPr id="43" name="Rectangle 42"/>
+          <p:cNvSpPr/>
+          <p:nvPr/>
+        </p:nvSpPr>
+        <p:spPr>
+          <a:xfrm>
+            <a:off x="6400006" y="3429401"/>
+            <a:ext cx="1447800" cy="381794"/>
+          </a:xfrm>
+          <a:prstGeom prst="rect">
+            <a:avLst/>
+          </a:prstGeom>
+          <a:ln w="3175" cap="flat" cmpd="sng" algn="ctr">
+            <a:solidFill>
+              <a:schemeClr val="accent1"/>
+            </a:solidFill>
+            <a:prstDash val="solid"/>
+            <a:round/>
+            <a:headEnd type="none" w="med" len="med"/>
+            <a:tailEnd type="none" w="med" len="med"/>
+          </a:ln>
+          <a:effectLst>
+            <a:outerShdw blurRad="50800" dist="38100" dir="2700000">
+              <a:srgbClr val="000000">
+                <a:alpha val="43000"/>
+              </a:srgbClr>
+            </a:outerShdw>
+          </a:effectLst>
+        </p:spPr>
+        <p:style>
+          <a:lnRef idx="2">
+            <a:schemeClr val="accent1"/>
+          </a:lnRef>
+          <a:fillRef idx="1">
+            <a:schemeClr val="lt1"/>
+          </a:fillRef>
+          <a:effectRef idx="0">
+            <a:schemeClr val="accent1"/>
+          </a:effectRef>
+          <a:fontRef idx="minor">
+            <a:schemeClr val="dk1"/>
+          </a:fontRef>
+        </p:style>
+        <p:txBody>
+          <a:bodyPr rtlCol="0" anchor="t"/>
+          <a:lstStyle/>
+          <a:p>
+            <a:r>
+              <a:rPr lang="en-US" sz="1200" u="sng" dirty="0" err="1" smtClean="0"/>
+              <a:t>AlarmLogicListener</a:t>
+            </a:r>
+            <a:endParaRPr lang="en-US" sz="1200" u="sng" dirty="0" smtClean="0"/>
+          </a:p>
+          <a:p>
+            <a:endParaRPr lang="en-US" sz="1200" dirty="0" smtClean="0"/>
+          </a:p>
+          <a:p>
+            <a:endParaRPr lang="en-US" sz="1200" dirty="0"/>
+          </a:p>
+        </p:txBody>
+      </p:sp>
+      <p:sp>
+        <p:nvSpPr>
+          <p:cNvPr id="55" name="Rectangle 54"/>
+          <p:cNvSpPr/>
+          <p:nvPr/>
+        </p:nvSpPr>
+        <p:spPr>
+          <a:xfrm>
+            <a:off x="3772697" y="1591419"/>
+            <a:ext cx="570703" cy="304800"/>
+          </a:xfrm>
+          <a:prstGeom prst="rect">
+            <a:avLst/>
+          </a:prstGeom>
+          <a:noFill/>
+          <a:ln w="3175" cap="flat" cmpd="sng" algn="ctr">
+            <a:noFill/>
+            <a:prstDash val="solid"/>
+            <a:round/>
+            <a:headEnd type="none" w="med" len="med"/>
+            <a:tailEnd type="none" w="med" len="med"/>
+          </a:ln>
+          <a:effectLst>
+            <a:outerShdw blurRad="50800" dist="38100" dir="2700000">
+              <a:srgbClr val="000000">
+                <a:alpha val="43000"/>
+              </a:srgbClr>
+            </a:outerShdw>
+          </a:effectLst>
+        </p:spPr>
+        <p:style>
+          <a:lnRef idx="2">
+            <a:schemeClr val="accent1"/>
+          </a:lnRef>
+          <a:fillRef idx="1">
+            <a:schemeClr val="lt1"/>
+          </a:fillRef>
+          <a:effectRef idx="0">
+            <a:schemeClr val="accent1"/>
+          </a:effectRef>
+          <a:fontRef idx="minor">
+            <a:schemeClr val="dk1"/>
+          </a:fontRef>
+        </p:style>
+        <p:txBody>
+          <a:bodyPr rtlCol="0" anchor="t"/>
+          <a:lstStyle/>
+          <a:p>
+            <a:r>
+              <a:rPr lang="en-US" sz="1200" dirty="0" smtClean="0"/>
+              <a:t>logic</a:t>
+            </a:r>
+            <a:endParaRPr lang="en-US" sz="1200" dirty="0"/>
+          </a:p>
+        </p:txBody>
+      </p:sp>
+      <p:cxnSp>
+        <p:nvCxnSpPr>
+          <p:cNvPr id="56" name="Straight Arrow Connector 55"/>
+          <p:cNvCxnSpPr/>
+          <p:nvPr/>
+        </p:nvCxnSpPr>
+        <p:spPr>
+          <a:xfrm rot="5400000">
+            <a:off x="4629944" y="1723975"/>
+            <a:ext cx="341312" cy="1588"/>
+          </a:xfrm>
+          <a:prstGeom prst="straightConnector1">
+            <a:avLst/>
+          </a:prstGeom>
+          <a:ln w="3175" cap="flat" cmpd="sng" algn="ctr">
+            <a:solidFill>
+              <a:schemeClr val="accent1"/>
+            </a:solidFill>
+            <a:prstDash val="solid"/>
+            <a:round/>
+            <a:headEnd type="diamond" w="med" len="med"/>
+            <a:tailEnd type="arrow" w="med" len="med"/>
+          </a:ln>
+          <a:effectLst>
+            <a:outerShdw blurRad="50800" dist="38100" dir="2700000">
+              <a:srgbClr val="000000">
+                <a:alpha val="43000"/>
+              </a:srgbClr>
+            </a:outerShdw>
+          </a:effectLst>
+        </p:spPr>
+        <p:style>
+          <a:lnRef idx="2">
+            <a:schemeClr val="accent1"/>
+          </a:lnRef>
+          <a:fillRef idx="0">
+            <a:schemeClr val="accent1"/>
+          </a:fillRef>
+          <a:effectRef idx="1">
+            <a:schemeClr val="accent1"/>
+          </a:effectRef>
+          <a:fontRef idx="minor">
+            <a:schemeClr val="tx1"/>
+          </a:fontRef>
+        </p:style>
+      </p:cxnSp>
+      <p:sp>
+        <p:nvSpPr>
+          <p:cNvPr id="59" name="Rectangle 58"/>
+          <p:cNvSpPr/>
+          <p:nvPr/>
+        </p:nvSpPr>
+        <p:spPr>
+          <a:xfrm>
+            <a:off x="4801394" y="1591419"/>
+            <a:ext cx="685800" cy="304800"/>
+          </a:xfrm>
+          <a:prstGeom prst="rect">
+            <a:avLst/>
+          </a:prstGeom>
+          <a:noFill/>
+          <a:ln w="3175" cap="flat" cmpd="sng" algn="ctr">
+            <a:noFill/>
+            <a:prstDash val="solid"/>
+            <a:round/>
+            <a:headEnd type="none" w="med" len="med"/>
+            <a:tailEnd type="none" w="med" len="med"/>
+          </a:ln>
+          <a:effectLst>
+            <a:outerShdw blurRad="50800" dist="38100" dir="2700000">
+              <a:srgbClr val="000000">
+                <a:alpha val="43000"/>
+              </a:srgbClr>
+            </a:outerShdw>
+          </a:effectLst>
+        </p:spPr>
+        <p:style>
+          <a:lnRef idx="2">
+            <a:schemeClr val="accent1"/>
+          </a:lnRef>
+          <a:fillRef idx="1">
+            <a:schemeClr val="lt1"/>
+          </a:fillRef>
+          <a:effectRef idx="0">
+            <a:schemeClr val="accent1"/>
+          </a:effectRef>
+          <a:fontRef idx="minor">
+            <a:schemeClr val="dk1"/>
+          </a:fontRef>
+        </p:style>
+        <p:txBody>
+          <a:bodyPr rtlCol="0" anchor="t"/>
+          <a:lstStyle/>
+          <a:p>
+            <a:r>
+              <a:rPr lang="en-US" sz="1200" dirty="0" smtClean="0"/>
+              <a:t>listener</a:t>
+            </a:r>
+            <a:endParaRPr lang="en-US" sz="1200" dirty="0"/>
+          </a:p>
+        </p:txBody>
+      </p:sp>
+      <p:sp>
+        <p:nvSpPr>
+          <p:cNvPr id="60" name="Rectangle 59"/>
+          <p:cNvSpPr/>
+          <p:nvPr/>
+        </p:nvSpPr>
+        <p:spPr>
+          <a:xfrm>
+            <a:off x="3048000" y="2631282"/>
+            <a:ext cx="685800" cy="264318"/>
+          </a:xfrm>
+          <a:prstGeom prst="rect">
+            <a:avLst/>
+          </a:prstGeom>
+          <a:noFill/>
+          <a:ln w="3175" cap="flat" cmpd="sng" algn="ctr">
+            <a:noFill/>
+            <a:prstDash val="solid"/>
+            <a:round/>
+            <a:headEnd type="none" w="med" len="med"/>
+            <a:tailEnd type="none" w="med" len="med"/>
+          </a:ln>
+          <a:effectLst>
+            <a:outerShdw blurRad="50800" dist="38100" dir="2700000">
+              <a:srgbClr val="000000">
+                <a:alpha val="43000"/>
+              </a:srgbClr>
+            </a:outerShdw>
+          </a:effectLst>
+        </p:spPr>
+        <p:style>
+          <a:lnRef idx="2">
+            <a:schemeClr val="accent1"/>
+          </a:lnRef>
+          <a:fillRef idx="1">
+            <a:schemeClr val="lt1"/>
+          </a:fillRef>
+          <a:effectRef idx="0">
+            <a:schemeClr val="accent1"/>
+          </a:effectRef>
+          <a:fontRef idx="minor">
+            <a:schemeClr val="dk1"/>
+          </a:fontRef>
+        </p:style>
+        <p:txBody>
+          <a:bodyPr rtlCol="0" anchor="t"/>
+          <a:lstStyle/>
+          <a:p>
+            <a:r>
+              <a:rPr lang="en-US" sz="1200" dirty="0" smtClean="0"/>
+              <a:t>1        *</a:t>
+            </a:r>
+          </a:p>
+        </p:txBody>
+      </p:sp>
+      <p:sp>
+        <p:nvSpPr>
+          <p:cNvPr id="64" name="Rectangle 63"/>
+          <p:cNvSpPr/>
+          <p:nvPr/>
+        </p:nvSpPr>
+        <p:spPr>
+          <a:xfrm>
+            <a:off x="3886200" y="3429000"/>
+            <a:ext cx="1447800" cy="915988"/>
+          </a:xfrm>
+          <a:prstGeom prst="rect">
+            <a:avLst/>
+          </a:prstGeom>
+          <a:ln w="3175" cap="flat" cmpd="sng" algn="ctr">
+            <a:solidFill>
+              <a:schemeClr val="accent1"/>
+            </a:solidFill>
+            <a:prstDash val="solid"/>
+            <a:round/>
+            <a:headEnd type="none" w="med" len="med"/>
+            <a:tailEnd type="none" w="med" len="med"/>
+          </a:ln>
+          <a:effectLst>
+            <a:outerShdw blurRad="50800" dist="38100" dir="2700000">
+              <a:srgbClr val="000000">
+                <a:alpha val="43000"/>
+              </a:srgbClr>
+            </a:outerShdw>
+          </a:effectLst>
+        </p:spPr>
+        <p:style>
+          <a:lnRef idx="2">
+            <a:schemeClr val="accent1"/>
+          </a:lnRef>
+          <a:fillRef idx="1">
+            <a:schemeClr val="lt1"/>
+          </a:fillRef>
+          <a:effectRef idx="0">
+            <a:schemeClr val="accent1"/>
+          </a:effectRef>
+          <a:fontRef idx="minor">
+            <a:schemeClr val="dk1"/>
+          </a:fontRef>
+        </p:style>
+        <p:txBody>
+          <a:bodyPr rtlCol="0" anchor="t"/>
+          <a:lstStyle/>
+          <a:p>
+            <a:r>
+              <a:rPr lang="en-US" sz="1200" u="sng" dirty="0" err="1" smtClean="0"/>
+              <a:t>AlarmHierarchy</a:t>
+            </a:r>
+            <a:endParaRPr lang="en-US" sz="1200" u="sng" dirty="0" smtClean="0"/>
+          </a:p>
+          <a:p>
+            <a:r>
+              <a:rPr lang="en-US" sz="1200" dirty="0" smtClean="0"/>
+              <a:t>description</a:t>
+            </a:r>
+          </a:p>
+          <a:p>
+            <a:r>
+              <a:rPr lang="en-US" sz="1200" dirty="0" smtClean="0"/>
+              <a:t>delay</a:t>
+            </a:r>
+          </a:p>
+          <a:p>
+            <a:endParaRPr lang="en-US" sz="1200" dirty="0"/>
+          </a:p>
+        </p:txBody>
+      </p:sp>
+      <p:cxnSp>
+        <p:nvCxnSpPr>
+          <p:cNvPr id="65" name="Straight Arrow Connector 64"/>
+          <p:cNvCxnSpPr/>
+          <p:nvPr/>
+        </p:nvCxnSpPr>
+        <p:spPr>
+          <a:xfrm rot="5400000">
+            <a:off x="3805214" y="3119411"/>
+            <a:ext cx="618381" cy="794"/>
+          </a:xfrm>
+          <a:prstGeom prst="straightConnector1">
+            <a:avLst/>
+          </a:prstGeom>
+          <a:ln w="38100" cap="rnd" cmpd="dbl" algn="ctr">
+            <a:solidFill>
+              <a:schemeClr val="accent1"/>
+            </a:solidFill>
+            <a:prstDash val="solid"/>
+            <a:round/>
+            <a:headEnd type="none" w="med" len="med"/>
+            <a:tailEnd type="triangle" w="lg" len="med"/>
+          </a:ln>
+          <a:effectLst>
+            <a:outerShdw blurRad="50800" dist="38100" dir="2700000">
+              <a:srgbClr val="000000">
+                <a:alpha val="43000"/>
+              </a:srgbClr>
+            </a:outerShdw>
+          </a:effectLst>
+        </p:spPr>
+        <p:style>
+          <a:lnRef idx="2">
+            <a:schemeClr val="accent1"/>
+          </a:lnRef>
+          <a:fillRef idx="0">
+            <a:schemeClr val="accent1"/>
+          </a:fillRef>
+          <a:effectRef idx="1">
+            <a:schemeClr val="accent1"/>
+          </a:effectRef>
+          <a:fontRef idx="minor">
+            <a:schemeClr val="tx1"/>
+          </a:fontRef>
+        </p:style>
+      </p:cxnSp>
+      <p:cxnSp>
+        <p:nvCxnSpPr>
+          <p:cNvPr id="70" name="Straight Arrow Connector 69"/>
+          <p:cNvCxnSpPr/>
+          <p:nvPr/>
+        </p:nvCxnSpPr>
+        <p:spPr>
+          <a:xfrm>
+            <a:off x="5334000" y="3581400"/>
+            <a:ext cx="228601" cy="1588"/>
+          </a:xfrm>
+          <a:prstGeom prst="straightConnector1">
+            <a:avLst/>
+          </a:prstGeom>
+          <a:ln w="3175" cap="flat" cmpd="sng" algn="ctr">
+            <a:solidFill>
+              <a:schemeClr val="accent1"/>
+            </a:solidFill>
+            <a:prstDash val="solid"/>
+            <a:round/>
+            <a:headEnd type="diamond" w="med" len="med"/>
+            <a:tailEnd type="none" w="med" len="med"/>
+          </a:ln>
+          <a:effectLst>
+            <a:outerShdw blurRad="50800" dist="38100" dir="2700000">
+              <a:srgbClr val="000000">
+                <a:alpha val="43000"/>
+              </a:srgbClr>
+            </a:outerShdw>
+          </a:effectLst>
+        </p:spPr>
+        <p:style>
+          <a:lnRef idx="2">
+            <a:schemeClr val="accent1"/>
+          </a:lnRef>
+          <a:fillRef idx="0">
+            <a:schemeClr val="accent1"/>
+          </a:fillRef>
+          <a:effectRef idx="1">
+            <a:schemeClr val="accent1"/>
+          </a:effectRef>
+          <a:fontRef idx="minor">
+            <a:schemeClr val="tx1"/>
+          </a:fontRef>
+        </p:style>
+      </p:cxnSp>
+      <p:cxnSp>
+        <p:nvCxnSpPr>
+          <p:cNvPr id="85" name="Straight Arrow Connector 69"/>
+          <p:cNvCxnSpPr/>
+          <p:nvPr/>
+        </p:nvCxnSpPr>
+        <p:spPr>
+          <a:xfrm rot="10800000" flipV="1">
+            <a:off x="5334005" y="3581399"/>
+            <a:ext cx="228596" cy="173037"/>
+          </a:xfrm>
+          <a:prstGeom prst="bentConnector3">
+            <a:avLst>
+              <a:gd name="adj1" fmla="val -33862"/>
+            </a:avLst>
+          </a:prstGeom>
+          <a:ln w="3175" cap="flat" cmpd="sng" algn="ctr">
+            <a:solidFill>
+              <a:schemeClr val="accent1"/>
+            </a:solidFill>
+            <a:prstDash val="solid"/>
+            <a:round/>
+            <a:headEnd type="none" w="med" len="med"/>
+            <a:tailEnd type="arrow" w="med" len="med"/>
+          </a:ln>
+          <a:effectLst>
+            <a:outerShdw blurRad="50800" dist="38100" dir="2700000">
+              <a:srgbClr val="000000">
+                <a:alpha val="43000"/>
+              </a:srgbClr>
+            </a:outerShdw>
+          </a:effectLst>
+        </p:spPr>
+        <p:style>
+          <a:lnRef idx="2">
+            <a:schemeClr val="accent1"/>
+          </a:lnRef>
+          <a:fillRef idx="0">
+            <a:schemeClr val="accent1"/>
+          </a:fillRef>
+          <a:effectRef idx="1">
+            <a:schemeClr val="accent1"/>
+          </a:effectRef>
+          <a:fontRef idx="minor">
+            <a:schemeClr val="tx1"/>
+          </a:fontRef>
+        </p:style>
+      </p:cxnSp>
+      <p:cxnSp>
+        <p:nvCxnSpPr>
+          <p:cNvPr id="115" name="Straight Arrow Connector 114"/>
+          <p:cNvCxnSpPr/>
+          <p:nvPr/>
+        </p:nvCxnSpPr>
+        <p:spPr>
+          <a:xfrm>
+            <a:off x="5334000" y="3943351"/>
+            <a:ext cx="228601" cy="1588"/>
+          </a:xfrm>
+          <a:prstGeom prst="straightConnector1">
+            <a:avLst/>
+          </a:prstGeom>
+          <a:ln w="3175" cap="flat" cmpd="sng" algn="ctr">
+            <a:solidFill>
+              <a:schemeClr val="accent1"/>
+            </a:solidFill>
+            <a:prstDash val="solid"/>
+            <a:round/>
+            <a:headEnd type="diamond" w="med" len="med"/>
+            <a:tailEnd type="none" w="med" len="med"/>
+          </a:ln>
+          <a:effectLst>
+            <a:outerShdw blurRad="50800" dist="38100" dir="2700000">
+              <a:srgbClr val="000000">
+                <a:alpha val="43000"/>
+              </a:srgbClr>
+            </a:outerShdw>
+          </a:effectLst>
+        </p:spPr>
+        <p:style>
+          <a:lnRef idx="2">
+            <a:schemeClr val="accent1"/>
+          </a:lnRef>
+          <a:fillRef idx="0">
+            <a:schemeClr val="accent1"/>
+          </a:fillRef>
+          <a:effectRef idx="1">
+            <a:schemeClr val="accent1"/>
+          </a:effectRef>
+          <a:fontRef idx="minor">
+            <a:schemeClr val="tx1"/>
+          </a:fontRef>
+        </p:style>
+      </p:cxnSp>
+      <p:cxnSp>
+        <p:nvCxnSpPr>
+          <p:cNvPr id="116" name="Straight Arrow Connector 69"/>
+          <p:cNvCxnSpPr/>
+          <p:nvPr/>
+        </p:nvCxnSpPr>
+        <p:spPr>
+          <a:xfrm rot="10800000" flipV="1">
+            <a:off x="5334005" y="3943350"/>
+            <a:ext cx="228596" cy="173037"/>
+          </a:xfrm>
+          <a:prstGeom prst="bentConnector3">
+            <a:avLst>
+              <a:gd name="adj1" fmla="val -33862"/>
+            </a:avLst>
+          </a:prstGeom>
+          <a:ln w="3175" cap="flat" cmpd="sng" algn="ctr">
+            <a:solidFill>
+              <a:schemeClr val="accent1"/>
+            </a:solidFill>
+            <a:prstDash val="solid"/>
+            <a:round/>
+            <a:headEnd type="none" w="med" len="med"/>
+            <a:tailEnd type="arrow" w="med" len="med"/>
+          </a:ln>
+          <a:effectLst>
+            <a:outerShdw blurRad="50800" dist="38100" dir="2700000">
+              <a:srgbClr val="000000">
+                <a:alpha val="43000"/>
+              </a:srgbClr>
+            </a:outerShdw>
+          </a:effectLst>
+        </p:spPr>
+        <p:style>
+          <a:lnRef idx="2">
+            <a:schemeClr val="accent1"/>
+          </a:lnRef>
+          <a:fillRef idx="0">
+            <a:schemeClr val="accent1"/>
+          </a:fillRef>
+          <a:effectRef idx="1">
+            <a:schemeClr val="accent1"/>
+          </a:effectRef>
+          <a:fontRef idx="minor">
+            <a:schemeClr val="tx1"/>
+          </a:fontRef>
+        </p:style>
+      </p:cxnSp>
+      <p:sp>
+        <p:nvSpPr>
+          <p:cNvPr id="117" name="Rectangle 116"/>
+          <p:cNvSpPr/>
+          <p:nvPr/>
+        </p:nvSpPr>
+        <p:spPr>
+          <a:xfrm>
+            <a:off x="5715794" y="3506788"/>
+            <a:ext cx="685006" cy="342502"/>
+          </a:xfrm>
+          <a:prstGeom prst="rect">
+            <a:avLst/>
+          </a:prstGeom>
+          <a:noFill/>
+          <a:ln w="3175" cap="flat" cmpd="sng" algn="ctr">
+            <a:noFill/>
+            <a:prstDash val="solid"/>
+            <a:round/>
+            <a:headEnd type="none" w="med" len="med"/>
+            <a:tailEnd type="none" w="med" len="med"/>
+          </a:ln>
+          <a:effectLst>
+            <a:outerShdw blurRad="50800" dist="38100" dir="2700000">
+              <a:srgbClr val="000000">
+                <a:alpha val="43000"/>
+              </a:srgbClr>
+            </a:outerShdw>
+          </a:effectLst>
+        </p:spPr>
+        <p:style>
+          <a:lnRef idx="2">
+            <a:schemeClr val="accent1"/>
+          </a:lnRef>
+          <a:fillRef idx="1">
+            <a:schemeClr val="lt1"/>
+          </a:fillRef>
+          <a:effectRef idx="0">
+            <a:schemeClr val="accent1"/>
+          </a:effectRef>
+          <a:fontRef idx="minor">
+            <a:schemeClr val="dk1"/>
+          </a:fontRef>
+        </p:style>
+        <p:txBody>
+          <a:bodyPr rtlCol="0" anchor="t"/>
+          <a:lstStyle/>
+          <a:p>
+            <a:r>
+              <a:rPr lang="en-US" sz="1200" dirty="0" smtClean="0"/>
+              <a:t>parent</a:t>
+            </a:r>
+            <a:endParaRPr lang="en-US" sz="1200" dirty="0"/>
+          </a:p>
+        </p:txBody>
+      </p:sp>
+      <p:sp>
+        <p:nvSpPr>
+          <p:cNvPr id="118" name="Rectangle 117"/>
+          <p:cNvSpPr/>
+          <p:nvPr/>
+        </p:nvSpPr>
+        <p:spPr>
+          <a:xfrm>
+            <a:off x="5715000" y="3850086"/>
+            <a:ext cx="685006" cy="342502"/>
+          </a:xfrm>
+          <a:prstGeom prst="rect">
+            <a:avLst/>
+          </a:prstGeom>
+          <a:noFill/>
+          <a:ln w="3175" cap="flat" cmpd="sng" algn="ctr">
+            <a:noFill/>
+            <a:prstDash val="solid"/>
+            <a:round/>
+            <a:headEnd type="none" w="med" len="med"/>
+            <a:tailEnd type="none" w="med" len="med"/>
+          </a:ln>
+          <a:effectLst>
+            <a:outerShdw blurRad="50800" dist="38100" dir="2700000">
+              <a:srgbClr val="000000">
+                <a:alpha val="43000"/>
+              </a:srgbClr>
+            </a:outerShdw>
+          </a:effectLst>
+        </p:spPr>
+        <p:style>
+          <a:lnRef idx="2">
+            <a:schemeClr val="accent1"/>
+          </a:lnRef>
+          <a:fillRef idx="1">
+            <a:schemeClr val="lt1"/>
+          </a:fillRef>
+          <a:effectRef idx="0">
+            <a:schemeClr val="accent1"/>
+          </a:effectRef>
+          <a:fontRef idx="minor">
+            <a:schemeClr val="dk1"/>
+          </a:fontRef>
+        </p:style>
+        <p:txBody>
+          <a:bodyPr rtlCol="0" anchor="t"/>
+          <a:lstStyle/>
+          <a:p>
+            <a:r>
+              <a:rPr lang="en-US" sz="1200" dirty="0" smtClean="0"/>
+              <a:t>children</a:t>
+            </a:r>
+            <a:endParaRPr lang="en-US" sz="1200" dirty="0"/>
+          </a:p>
+        </p:txBody>
+      </p:sp>
+      <p:sp>
+        <p:nvSpPr>
+          <p:cNvPr id="119" name="Rectangle 118"/>
+          <p:cNvSpPr/>
+          <p:nvPr/>
+        </p:nvSpPr>
+        <p:spPr>
+          <a:xfrm>
+            <a:off x="5281764" y="4124375"/>
+            <a:ext cx="381790" cy="264318"/>
+          </a:xfrm>
+          <a:prstGeom prst="rect">
+            <a:avLst/>
+          </a:prstGeom>
+          <a:noFill/>
+          <a:ln w="3175" cap="flat" cmpd="sng" algn="ctr">
+            <a:noFill/>
+            <a:prstDash val="solid"/>
+            <a:round/>
+            <a:headEnd type="none" w="med" len="med"/>
+            <a:tailEnd type="none" w="med" len="med"/>
+          </a:ln>
+          <a:effectLst>
+            <a:outerShdw blurRad="50800" dist="38100" dir="2700000">
+              <a:srgbClr val="000000">
+                <a:alpha val="43000"/>
+              </a:srgbClr>
+            </a:outerShdw>
+          </a:effectLst>
+        </p:spPr>
+        <p:style>
+          <a:lnRef idx="2">
+            <a:schemeClr val="accent1"/>
+          </a:lnRef>
+          <a:fillRef idx="1">
+            <a:schemeClr val="lt1"/>
+          </a:fillRef>
+          <a:effectRef idx="0">
+            <a:schemeClr val="accent1"/>
+          </a:effectRef>
+          <a:fontRef idx="minor">
+            <a:schemeClr val="dk1"/>
+          </a:fontRef>
+        </p:style>
+        <p:txBody>
+          <a:bodyPr rtlCol="0" anchor="t"/>
+          <a:lstStyle/>
+          <a:p>
+            <a:r>
+              <a:rPr lang="en-US" sz="1200" dirty="0" smtClean="0"/>
+              <a:t>*</a:t>
+            </a:r>
+          </a:p>
+        </p:txBody>
+      </p:sp>
+      <p:cxnSp>
+        <p:nvCxnSpPr>
+          <p:cNvPr id="124" name="Straight Arrow Connector 123"/>
+          <p:cNvCxnSpPr/>
+          <p:nvPr/>
+        </p:nvCxnSpPr>
+        <p:spPr>
+          <a:xfrm>
+            <a:off x="3046412" y="3536107"/>
+            <a:ext cx="840582" cy="1588"/>
+          </a:xfrm>
+          <a:prstGeom prst="straightConnector1">
+            <a:avLst/>
+          </a:prstGeom>
+          <a:ln w="3175" cap="flat" cmpd="sng" algn="ctr">
+            <a:solidFill>
+              <a:schemeClr val="accent1"/>
+            </a:solidFill>
+            <a:prstDash val="solid"/>
+            <a:round/>
+            <a:headEnd type="diamond" w="med" len="med"/>
+            <a:tailEnd type="arrow" w="med" len="med"/>
+          </a:ln>
+          <a:effectLst>
+            <a:outerShdw blurRad="50800" dist="38100" dir="2700000">
+              <a:srgbClr val="000000">
+                <a:alpha val="43000"/>
+              </a:srgbClr>
+            </a:outerShdw>
+          </a:effectLst>
+        </p:spPr>
+        <p:style>
+          <a:lnRef idx="2">
+            <a:schemeClr val="accent1"/>
+          </a:lnRef>
+          <a:fillRef idx="0">
+            <a:schemeClr val="accent1"/>
+          </a:fillRef>
+          <a:effectRef idx="1">
+            <a:schemeClr val="accent1"/>
+          </a:effectRef>
+          <a:fontRef idx="minor">
+            <a:schemeClr val="tx1"/>
+          </a:fontRef>
+        </p:style>
+      </p:cxnSp>
+      <p:sp>
+        <p:nvSpPr>
+          <p:cNvPr id="130" name="Rectangle 129"/>
+          <p:cNvSpPr/>
+          <p:nvPr/>
+        </p:nvSpPr>
+        <p:spPr>
+          <a:xfrm>
+            <a:off x="3148959" y="3276600"/>
+            <a:ext cx="571502" cy="288924"/>
+          </a:xfrm>
+          <a:prstGeom prst="rect">
+            <a:avLst/>
+          </a:prstGeom>
+          <a:noFill/>
+          <a:ln w="3175" cap="flat" cmpd="sng" algn="ctr">
+            <a:noFill/>
+            <a:prstDash val="solid"/>
+            <a:round/>
+            <a:headEnd type="none" w="med" len="med"/>
+            <a:tailEnd type="none" w="med" len="med"/>
+          </a:ln>
+          <a:effectLst>
+            <a:outerShdw blurRad="50800" dist="38100" dir="2700000">
+              <a:srgbClr val="000000">
+                <a:alpha val="43000"/>
+              </a:srgbClr>
+            </a:outerShdw>
+          </a:effectLst>
+        </p:spPr>
+        <p:style>
+          <a:lnRef idx="2">
+            <a:schemeClr val="accent1"/>
+          </a:lnRef>
+          <a:fillRef idx="1">
+            <a:schemeClr val="lt1"/>
+          </a:fillRef>
+          <a:effectRef idx="0">
+            <a:schemeClr val="accent1"/>
+          </a:effectRef>
+          <a:fontRef idx="minor">
+            <a:schemeClr val="dk1"/>
+          </a:fontRef>
+        </p:style>
+        <p:txBody>
+          <a:bodyPr rtlCol="0" anchor="t"/>
+          <a:lstStyle/>
+          <a:p>
+            <a:r>
+              <a:rPr lang="en-US" sz="1200" dirty="0" smtClean="0"/>
+              <a:t>root</a:t>
+            </a:r>
+          </a:p>
+        </p:txBody>
+      </p:sp>
     </p:spTree>
   </p:cSld>
   <p:clrMapOvr>

--- a/applications/plugins/org.csstudio.alarm.beast.server/docs/AlarmServerUML.pptx
+++ b/applications/plugins/org.csstudio.alarm.beast.server/docs/AlarmServerUML.pptx
@@ -289,7 +289,7 @@
             <a:fld id="{770F932F-E79B-AF4D-9E2E-ABABD1691287}" type="datetimeFigureOut">
               <a:rPr lang="en-US" smtClean="0"/>
               <a:pPr/>
-              <a:t>10/1/10</a:t>
+              <a:t>1/24/11</a:t>
             </a:fld>
             <a:endParaRPr lang="en-US" dirty="0"/>
           </a:p>
@@ -456,7 +456,7 @@
             <a:fld id="{770F932F-E79B-AF4D-9E2E-ABABD1691287}" type="datetimeFigureOut">
               <a:rPr lang="en-US" smtClean="0"/>
               <a:pPr/>
-              <a:t>10/1/10</a:t>
+              <a:t>1/24/11</a:t>
             </a:fld>
             <a:endParaRPr lang="en-US" dirty="0"/>
           </a:p>
@@ -633,7 +633,7 @@
             <a:fld id="{770F932F-E79B-AF4D-9E2E-ABABD1691287}" type="datetimeFigureOut">
               <a:rPr lang="en-US" smtClean="0"/>
               <a:pPr/>
-              <a:t>10/1/10</a:t>
+              <a:t>1/24/11</a:t>
             </a:fld>
             <a:endParaRPr lang="en-US" dirty="0"/>
           </a:p>
@@ -800,7 +800,7 @@
             <a:fld id="{770F932F-E79B-AF4D-9E2E-ABABD1691287}" type="datetimeFigureOut">
               <a:rPr lang="en-US" smtClean="0"/>
               <a:pPr/>
-              <a:t>10/1/10</a:t>
+              <a:t>1/24/11</a:t>
             </a:fld>
             <a:endParaRPr lang="en-US" dirty="0"/>
           </a:p>
@@ -1043,7 +1043,7 @@
             <a:fld id="{770F932F-E79B-AF4D-9E2E-ABABD1691287}" type="datetimeFigureOut">
               <a:rPr lang="en-US" smtClean="0"/>
               <a:pPr/>
-              <a:t>10/1/10</a:t>
+              <a:t>1/24/11</a:t>
             </a:fld>
             <a:endParaRPr lang="en-US" dirty="0"/>
           </a:p>
@@ -1328,7 +1328,7 @@
             <a:fld id="{770F932F-E79B-AF4D-9E2E-ABABD1691287}" type="datetimeFigureOut">
               <a:rPr lang="en-US" smtClean="0"/>
               <a:pPr/>
-              <a:t>10/1/10</a:t>
+              <a:t>1/24/11</a:t>
             </a:fld>
             <a:endParaRPr lang="en-US" dirty="0"/>
           </a:p>
@@ -1747,7 +1747,7 @@
             <a:fld id="{770F932F-E79B-AF4D-9E2E-ABABD1691287}" type="datetimeFigureOut">
               <a:rPr lang="en-US" smtClean="0"/>
               <a:pPr/>
-              <a:t>10/1/10</a:t>
+              <a:t>1/24/11</a:t>
             </a:fld>
             <a:endParaRPr lang="en-US" dirty="0"/>
           </a:p>
@@ -1862,7 +1862,7 @@
             <a:fld id="{770F932F-E79B-AF4D-9E2E-ABABD1691287}" type="datetimeFigureOut">
               <a:rPr lang="en-US" smtClean="0"/>
               <a:pPr/>
-              <a:t>10/1/10</a:t>
+              <a:t>1/24/11</a:t>
             </a:fld>
             <a:endParaRPr lang="en-US" dirty="0"/>
           </a:p>
@@ -1954,7 +1954,7 @@
             <a:fld id="{770F932F-E79B-AF4D-9E2E-ABABD1691287}" type="datetimeFigureOut">
               <a:rPr lang="en-US" smtClean="0"/>
               <a:pPr/>
-              <a:t>10/1/10</a:t>
+              <a:t>1/24/11</a:t>
             </a:fld>
             <a:endParaRPr lang="en-US" dirty="0"/>
           </a:p>
@@ -2228,7 +2228,7 @@
             <a:fld id="{770F932F-E79B-AF4D-9E2E-ABABD1691287}" type="datetimeFigureOut">
               <a:rPr lang="en-US" smtClean="0"/>
               <a:pPr/>
-              <a:t>10/1/10</a:t>
+              <a:t>1/24/11</a:t>
             </a:fld>
             <a:endParaRPr lang="en-US" dirty="0"/>
           </a:p>
@@ -2478,7 +2478,7 @@
             <a:fld id="{770F932F-E79B-AF4D-9E2E-ABABD1691287}" type="datetimeFigureOut">
               <a:rPr lang="en-US" smtClean="0"/>
               <a:pPr/>
-              <a:t>10/1/10</a:t>
+              <a:t>1/24/11</a:t>
             </a:fld>
             <a:endParaRPr lang="en-US" dirty="0"/>
           </a:p>
@@ -2688,7 +2688,7 @@
             <a:fld id="{770F932F-E79B-AF4D-9E2E-ABABD1691287}" type="datetimeFigureOut">
               <a:rPr lang="en-US" smtClean="0"/>
               <a:pPr/>
-              <a:t>10/1/10</a:t>
+              <a:t>1/24/11</a:t>
             </a:fld>
             <a:endParaRPr lang="en-US" dirty="0"/>
           </a:p>
@@ -5242,24 +5242,16 @@
           <a:p>
             <a:r>
               <a:rPr lang="en-US" sz="1200" u="sng" dirty="0" err="1" smtClean="0"/>
-              <a:t>AlarmHierarchy</a:t>
+              <a:t>TreeItem</a:t>
             </a:r>
             <a:endParaRPr lang="en-US" sz="1200" u="sng" dirty="0" smtClean="0"/>
           </a:p>
           <a:p>
             <a:r>
-              <a:rPr lang="en-US" sz="1200" dirty="0" smtClean="0"/>
-              <a:t>description</a:t>
-            </a:r>
-          </a:p>
-          <a:p>
-            <a:r>
-              <a:rPr lang="en-US" sz="1200" dirty="0" smtClean="0"/>
-              <a:t>delay</a:t>
-            </a:r>
-          </a:p>
-          <a:p>
-            <a:endParaRPr lang="en-US" sz="1200" dirty="0"/>
+              <a:rPr lang="en-US" sz="1200" smtClean="0"/>
+              <a:t>name</a:t>
+            </a:r>
+            <a:endParaRPr lang="en-US" sz="1200" smtClean="0"/>
           </a:p>
         </p:txBody>
       </p:sp>
